--- a/дипломы/Антон/магистр/presentation/berezin_diplom.pptx
+++ b/дипломы/Антон/магистр/presentation/berezin_diplom.pptx
@@ -18,7 +18,8 @@
     <p:sldId id="276" r:id="rId12"/>
     <p:sldId id="277" r:id="rId13"/>
     <p:sldId id="278" r:id="rId14"/>
-    <p:sldId id="269" r:id="rId15"/>
+    <p:sldId id="279" r:id="rId15"/>
+    <p:sldId id="269" r:id="rId16"/>
   </p:sldIdLst>
   <p:sldSz cx="12192000" cy="6858000"/>
   <p:notesSz cx="6858000" cy="9144000"/>
@@ -286,12 +287,12 @@
             <a:pPr>
               <a:defRPr/>
             </a:pPr>
-            <a:fld id="{5239BADD-4E5D-4909-A9B5-5CB5D45875EA}" type="datetimeFigureOut">
+            <a:fld id="{5BBE7939-6273-4561-A647-446FEE729209}" type="datetimeFigureOut">
               <a:rPr lang="ru-RU"/>
               <a:pPr>
                 <a:defRPr/>
               </a:pPr>
-              <a:t>06.06.2016</a:t>
+              <a:t>09.06.2016</a:t>
             </a:fld>
             <a:endParaRPr lang="ru-RU"/>
           </a:p>
@@ -345,7 +346,7 @@
             <a:pPr>
               <a:defRPr/>
             </a:pPr>
-            <a:fld id="{61B3ABE2-F86F-4086-B3F9-8998DB4EC3ED}" type="slidenum">
+            <a:fld id="{B854BC4E-AB42-42F2-B93D-956D3A18718D}" type="slidenum">
               <a:rPr lang="ru-RU"/>
               <a:pPr>
                 <a:defRPr/>
@@ -478,12 +479,12 @@
             <a:pPr>
               <a:defRPr/>
             </a:pPr>
-            <a:fld id="{553695BD-5EBC-4188-9E9A-A4176453736B}" type="datetimeFigureOut">
+            <a:fld id="{87F61459-4544-46DC-9D10-558366EFBBC3}" type="datetimeFigureOut">
               <a:rPr lang="ru-RU"/>
               <a:pPr>
                 <a:defRPr/>
               </a:pPr>
-              <a:t>06.06.2016</a:t>
+              <a:t>09.06.2016</a:t>
             </a:fld>
             <a:endParaRPr lang="ru-RU"/>
           </a:p>
@@ -537,7 +538,7 @@
             <a:pPr>
               <a:defRPr/>
             </a:pPr>
-            <a:fld id="{CADA55C3-234E-4CEB-9F9A-EBFC8F294DA1}" type="slidenum">
+            <a:fld id="{10832E51-4141-4BF5-AB38-F96A27DC6C9A}" type="slidenum">
               <a:rPr lang="ru-RU"/>
               <a:pPr>
                 <a:defRPr/>
@@ -680,12 +681,12 @@
             <a:pPr>
               <a:defRPr/>
             </a:pPr>
-            <a:fld id="{53C19D5D-24B1-4A8B-A41C-A9D1E789F56D}" type="datetimeFigureOut">
+            <a:fld id="{078C8151-914F-4EBA-9821-F60213A4F3D5}" type="datetimeFigureOut">
               <a:rPr lang="ru-RU"/>
               <a:pPr>
                 <a:defRPr/>
               </a:pPr>
-              <a:t>06.06.2016</a:t>
+              <a:t>09.06.2016</a:t>
             </a:fld>
             <a:endParaRPr lang="ru-RU"/>
           </a:p>
@@ -739,7 +740,7 @@
             <a:pPr>
               <a:defRPr/>
             </a:pPr>
-            <a:fld id="{95559992-4624-4A45-9FAC-6532E819E860}" type="slidenum">
+            <a:fld id="{2DEE009D-1536-4F28-93BC-B5A985D41963}" type="slidenum">
               <a:rPr lang="ru-RU"/>
               <a:pPr>
                 <a:defRPr/>
@@ -872,12 +873,12 @@
             <a:pPr>
               <a:defRPr/>
             </a:pPr>
-            <a:fld id="{4367E318-ACFF-4D73-BA60-9BA16572BA26}" type="datetimeFigureOut">
+            <a:fld id="{86F22624-B187-4206-9504-72E5056F1D45}" type="datetimeFigureOut">
               <a:rPr lang="ru-RU"/>
               <a:pPr>
                 <a:defRPr/>
               </a:pPr>
-              <a:t>06.06.2016</a:t>
+              <a:t>09.06.2016</a:t>
             </a:fld>
             <a:endParaRPr lang="ru-RU"/>
           </a:p>
@@ -931,7 +932,7 @@
             <a:pPr>
               <a:defRPr/>
             </a:pPr>
-            <a:fld id="{53F4FF02-FB65-4D55-8FCB-9C0AFE1536A5}" type="slidenum">
+            <a:fld id="{6F6A294B-04A6-42B8-80E6-E016A8DCF49C}" type="slidenum">
               <a:rPr lang="ru-RU"/>
               <a:pPr>
                 <a:defRPr/>
@@ -1140,12 +1141,12 @@
             <a:pPr>
               <a:defRPr/>
             </a:pPr>
-            <a:fld id="{6FB2DA06-312F-4148-87B1-C2E2ADD06775}" type="datetimeFigureOut">
+            <a:fld id="{8613DA9D-9F7E-4B40-8192-19AB89976C90}" type="datetimeFigureOut">
               <a:rPr lang="ru-RU"/>
               <a:pPr>
                 <a:defRPr/>
               </a:pPr>
-              <a:t>06.06.2016</a:t>
+              <a:t>09.06.2016</a:t>
             </a:fld>
             <a:endParaRPr lang="ru-RU"/>
           </a:p>
@@ -1199,7 +1200,7 @@
             <a:pPr>
               <a:defRPr/>
             </a:pPr>
-            <a:fld id="{B8216D0C-3F02-4222-8604-B7AE160273F9}" type="slidenum">
+            <a:fld id="{E59865C6-23D0-4721-8754-A2D27A0A334D}" type="slidenum">
               <a:rPr lang="ru-RU"/>
               <a:pPr>
                 <a:defRPr/>
@@ -1394,12 +1395,12 @@
             <a:pPr>
               <a:defRPr/>
             </a:pPr>
-            <a:fld id="{547D568A-9F55-401D-97E8-FC16118D2C75}" type="datetimeFigureOut">
+            <a:fld id="{EAFDBF29-08AF-4275-906C-318E3ACA9DD8}" type="datetimeFigureOut">
               <a:rPr lang="ru-RU"/>
               <a:pPr>
                 <a:defRPr/>
               </a:pPr>
-              <a:t>06.06.2016</a:t>
+              <a:t>09.06.2016</a:t>
             </a:fld>
             <a:endParaRPr lang="ru-RU"/>
           </a:p>
@@ -1453,7 +1454,7 @@
             <a:pPr>
               <a:defRPr/>
             </a:pPr>
-            <a:fld id="{2B6455E1-DE0A-4880-9117-21EFBD2CA065}" type="slidenum">
+            <a:fld id="{0990706D-E332-4BFE-BC4A-1F0CCAEEF62F}" type="slidenum">
               <a:rPr lang="ru-RU"/>
               <a:pPr>
                 <a:defRPr/>
@@ -1783,12 +1784,12 @@
             <a:pPr>
               <a:defRPr/>
             </a:pPr>
-            <a:fld id="{3FF112D7-A4E3-4F4B-B9AE-1C331F9910B4}" type="datetimeFigureOut">
+            <a:fld id="{6DA86842-423B-48E4-BD19-D292595883E6}" type="datetimeFigureOut">
               <a:rPr lang="ru-RU"/>
               <a:pPr>
                 <a:defRPr/>
               </a:pPr>
-              <a:t>06.06.2016</a:t>
+              <a:t>09.06.2016</a:t>
             </a:fld>
             <a:endParaRPr lang="ru-RU"/>
           </a:p>
@@ -1842,7 +1843,7 @@
             <a:pPr>
               <a:defRPr/>
             </a:pPr>
-            <a:fld id="{95885095-5B8A-4E90-B24C-68ABD8C9FB3E}" type="slidenum">
+            <a:fld id="{6256E3DB-9E98-4498-95D1-2401640925C4}" type="slidenum">
               <a:rPr lang="ru-RU"/>
               <a:pPr>
                 <a:defRPr/>
@@ -1923,12 +1924,12 @@
             <a:pPr>
               <a:defRPr/>
             </a:pPr>
-            <a:fld id="{2953DE01-F4A6-4075-BE12-D45595065BC7}" type="datetimeFigureOut">
+            <a:fld id="{0A447628-DE6D-4ECD-A0B3-4C759EF2F8A2}" type="datetimeFigureOut">
               <a:rPr lang="ru-RU"/>
               <a:pPr>
                 <a:defRPr/>
               </a:pPr>
-              <a:t>06.06.2016</a:t>
+              <a:t>09.06.2016</a:t>
             </a:fld>
             <a:endParaRPr lang="ru-RU"/>
           </a:p>
@@ -1982,7 +1983,7 @@
             <a:pPr>
               <a:defRPr/>
             </a:pPr>
-            <a:fld id="{FF59840C-23E5-4A70-840B-06A4B679C4B4}" type="slidenum">
+            <a:fld id="{03E256AE-08C2-4416-9EAC-5F8256CE4860}" type="slidenum">
               <a:rPr lang="ru-RU"/>
               <a:pPr>
                 <a:defRPr/>
@@ -2040,12 +2041,12 @@
             <a:pPr>
               <a:defRPr/>
             </a:pPr>
-            <a:fld id="{9635FB87-E319-403F-B604-924321D3EDC0}" type="datetimeFigureOut">
+            <a:fld id="{838885C2-9EC9-47C5-A450-4802803552AF}" type="datetimeFigureOut">
               <a:rPr lang="ru-RU"/>
               <a:pPr>
                 <a:defRPr/>
               </a:pPr>
-              <a:t>06.06.2016</a:t>
+              <a:t>09.06.2016</a:t>
             </a:fld>
             <a:endParaRPr lang="ru-RU"/>
           </a:p>
@@ -2099,7 +2100,7 @@
             <a:pPr>
               <a:defRPr/>
             </a:pPr>
-            <a:fld id="{89C8C11A-F60D-4291-9DF0-96B47D0407D3}" type="slidenum">
+            <a:fld id="{F290AA9D-FB8E-4936-9670-7573775CE37D}" type="slidenum">
               <a:rPr lang="ru-RU"/>
               <a:pPr>
                 <a:defRPr/>
@@ -2339,12 +2340,12 @@
             <a:pPr>
               <a:defRPr/>
             </a:pPr>
-            <a:fld id="{B461CC17-97C4-4B9C-8917-BBD239E1B727}" type="datetimeFigureOut">
+            <a:fld id="{2555E4A8-0333-41E9-ACD9-C1757935C0A9}" type="datetimeFigureOut">
               <a:rPr lang="ru-RU"/>
               <a:pPr>
                 <a:defRPr/>
               </a:pPr>
-              <a:t>06.06.2016</a:t>
+              <a:t>09.06.2016</a:t>
             </a:fld>
             <a:endParaRPr lang="ru-RU"/>
           </a:p>
@@ -2398,7 +2399,7 @@
             <a:pPr>
               <a:defRPr/>
             </a:pPr>
-            <a:fld id="{7EDC1847-88E6-486C-8610-24445521CF23}" type="slidenum">
+            <a:fld id="{0A688BA3-B841-4942-9B0B-34172ACE517C}" type="slidenum">
               <a:rPr lang="ru-RU"/>
               <a:pPr>
                 <a:defRPr/>
@@ -2617,12 +2618,12 @@
             <a:pPr>
               <a:defRPr/>
             </a:pPr>
-            <a:fld id="{4E47B2A9-61B3-4CE6-B088-CD636FE61369}" type="datetimeFigureOut">
+            <a:fld id="{BA4E723A-4658-426D-8C73-C21F634A9395}" type="datetimeFigureOut">
               <a:rPr lang="ru-RU"/>
               <a:pPr>
                 <a:defRPr/>
               </a:pPr>
-              <a:t>06.06.2016</a:t>
+              <a:t>09.06.2016</a:t>
             </a:fld>
             <a:endParaRPr lang="ru-RU"/>
           </a:p>
@@ -2676,7 +2677,7 @@
             <a:pPr>
               <a:defRPr/>
             </a:pPr>
-            <a:fld id="{5DF03B1F-F304-470F-AE82-FB54AF3957BD}" type="slidenum">
+            <a:fld id="{1E7E30A6-9A3B-46C5-931E-ADE02F2224FD}" type="slidenum">
               <a:rPr lang="ru-RU"/>
               <a:pPr>
                 <a:defRPr/>
@@ -2858,7 +2859,7 @@
               <a:spcAft>
                 <a:spcPts val="0"/>
               </a:spcAft>
-              <a:defRPr sz="1200" smtClean="0">
+              <a:defRPr sz="1200">
                 <a:solidFill>
                   <a:schemeClr val="tx1">
                     <a:tint val="75000"/>
@@ -2873,12 +2874,12 @@
             <a:pPr>
               <a:defRPr/>
             </a:pPr>
-            <a:fld id="{61295F26-5121-45BC-887E-AA6871DE3F70}" type="datetimeFigureOut">
+            <a:fld id="{3D7095ED-6F35-47F4-B84D-AF9EBA4EF10F}" type="datetimeFigureOut">
               <a:rPr lang="ru-RU"/>
               <a:pPr>
                 <a:defRPr/>
               </a:pPr>
-              <a:t>06.06.2016</a:t>
+              <a:t>09.06.2016</a:t>
             </a:fld>
             <a:endParaRPr lang="ru-RU"/>
           </a:p>
@@ -2961,7 +2962,7 @@
               <a:spcAft>
                 <a:spcPts val="0"/>
               </a:spcAft>
-              <a:defRPr sz="1200" smtClean="0">
+              <a:defRPr sz="1200">
                 <a:solidFill>
                   <a:schemeClr val="tx1">
                     <a:tint val="75000"/>
@@ -2976,7 +2977,7 @@
             <a:pPr>
               <a:defRPr/>
             </a:pPr>
-            <a:fld id="{1D017171-1043-432D-AB54-3E7F5008D55B}" type="slidenum">
+            <a:fld id="{86215FAF-FE2B-4BF6-A8AD-B77942547F63}" type="slidenum">
               <a:rPr lang="ru-RU"/>
               <a:pPr>
                 <a:defRPr/>
@@ -2991,21 +2992,21 @@
   </p:cSld>
   <p:clrMap bg1="lt1" tx1="dk1" bg2="lt2" tx2="dk2" accent1="accent1" accent2="accent2" accent3="accent3" accent4="accent4" accent5="accent5" accent6="accent6" hlink="hlink" folHlink="folHlink"/>
   <p:sldLayoutIdLst>
-    <p:sldLayoutId id="2147483659" r:id="rId1"/>
-    <p:sldLayoutId id="2147483658" r:id="rId2"/>
-    <p:sldLayoutId id="2147483657" r:id="rId3"/>
-    <p:sldLayoutId id="2147483656" r:id="rId4"/>
-    <p:sldLayoutId id="2147483655" r:id="rId5"/>
+    <p:sldLayoutId id="2147483649" r:id="rId1"/>
+    <p:sldLayoutId id="2147483650" r:id="rId2"/>
+    <p:sldLayoutId id="2147483651" r:id="rId3"/>
+    <p:sldLayoutId id="2147483652" r:id="rId4"/>
+    <p:sldLayoutId id="2147483653" r:id="rId5"/>
     <p:sldLayoutId id="2147483654" r:id="rId6"/>
-    <p:sldLayoutId id="2147483653" r:id="rId7"/>
-    <p:sldLayoutId id="2147483652" r:id="rId8"/>
-    <p:sldLayoutId id="2147483651" r:id="rId9"/>
-    <p:sldLayoutId id="2147483650" r:id="rId10"/>
-    <p:sldLayoutId id="2147483649" r:id="rId11"/>
+    <p:sldLayoutId id="2147483655" r:id="rId7"/>
+    <p:sldLayoutId id="2147483656" r:id="rId8"/>
+    <p:sldLayoutId id="2147483657" r:id="rId9"/>
+    <p:sldLayoutId id="2147483658" r:id="rId10"/>
+    <p:sldLayoutId id="2147483659" r:id="rId11"/>
   </p:sldLayoutIdLst>
   <p:txStyles>
     <p:titleStyle>
-      <a:lvl1pPr algn="l" rtl="0" fontAlgn="base">
+      <a:lvl1pPr algn="l" rtl="0" eaLnBrk="0" fontAlgn="base" hangingPunct="0">
         <a:lnSpc>
           <a:spcPct val="90000"/>
         </a:lnSpc>
@@ -3024,7 +3025,7 @@
           <a:cs typeface="+mj-cs"/>
         </a:defRPr>
       </a:lvl1pPr>
-      <a:lvl2pPr algn="l" rtl="0" fontAlgn="base">
+      <a:lvl2pPr algn="l" rtl="0" eaLnBrk="0" fontAlgn="base" hangingPunct="0">
         <a:lnSpc>
           <a:spcPct val="90000"/>
         </a:lnSpc>
@@ -3041,7 +3042,7 @@
           <a:latin typeface="Calibri Light" pitchFamily="34" charset="0"/>
         </a:defRPr>
       </a:lvl2pPr>
-      <a:lvl3pPr algn="l" rtl="0" fontAlgn="base">
+      <a:lvl3pPr algn="l" rtl="0" eaLnBrk="0" fontAlgn="base" hangingPunct="0">
         <a:lnSpc>
           <a:spcPct val="90000"/>
         </a:lnSpc>
@@ -3058,7 +3059,7 @@
           <a:latin typeface="Calibri Light" pitchFamily="34" charset="0"/>
         </a:defRPr>
       </a:lvl3pPr>
-      <a:lvl4pPr algn="l" rtl="0" fontAlgn="base">
+      <a:lvl4pPr algn="l" rtl="0" eaLnBrk="0" fontAlgn="base" hangingPunct="0">
         <a:lnSpc>
           <a:spcPct val="90000"/>
         </a:lnSpc>
@@ -3075,7 +3076,7 @@
           <a:latin typeface="Calibri Light" pitchFamily="34" charset="0"/>
         </a:defRPr>
       </a:lvl4pPr>
-      <a:lvl5pPr algn="l" rtl="0" fontAlgn="base">
+      <a:lvl5pPr algn="l" rtl="0" eaLnBrk="0" fontAlgn="base" hangingPunct="0">
         <a:lnSpc>
           <a:spcPct val="90000"/>
         </a:lnSpc>
@@ -3162,7 +3163,7 @@
       </a:lvl9pPr>
     </p:titleStyle>
     <p:bodyStyle>
-      <a:lvl1pPr marL="228600" indent="-228600" algn="l" rtl="0" fontAlgn="base">
+      <a:lvl1pPr marL="228600" indent="-228600" algn="l" rtl="0" eaLnBrk="0" fontAlgn="base" hangingPunct="0">
         <a:lnSpc>
           <a:spcPct val="90000"/>
         </a:lnSpc>
@@ -3183,7 +3184,7 @@
           <a:cs typeface="+mn-cs"/>
         </a:defRPr>
       </a:lvl1pPr>
-      <a:lvl2pPr marL="685800" indent="-228600" algn="l" rtl="0" fontAlgn="base">
+      <a:lvl2pPr marL="685800" indent="-228600" algn="l" rtl="0" eaLnBrk="0" fontAlgn="base" hangingPunct="0">
         <a:lnSpc>
           <a:spcPct val="90000"/>
         </a:lnSpc>
@@ -3204,7 +3205,7 @@
           <a:cs typeface="+mn-cs"/>
         </a:defRPr>
       </a:lvl2pPr>
-      <a:lvl3pPr marL="1143000" indent="-228600" algn="l" rtl="0" fontAlgn="base">
+      <a:lvl3pPr marL="1143000" indent="-228600" algn="l" rtl="0" eaLnBrk="0" fontAlgn="base" hangingPunct="0">
         <a:lnSpc>
           <a:spcPct val="90000"/>
         </a:lnSpc>
@@ -3225,7 +3226,7 @@
           <a:cs typeface="+mn-cs"/>
         </a:defRPr>
       </a:lvl3pPr>
-      <a:lvl4pPr marL="1600200" indent="-228600" algn="l" rtl="0" fontAlgn="base">
+      <a:lvl4pPr marL="1600200" indent="-228600" algn="l" rtl="0" eaLnBrk="0" fontAlgn="base" hangingPunct="0">
         <a:lnSpc>
           <a:spcPct val="90000"/>
         </a:lnSpc>
@@ -3246,7 +3247,7 @@
           <a:cs typeface="+mn-cs"/>
         </a:defRPr>
       </a:lvl4pPr>
-      <a:lvl5pPr marL="2057400" indent="-228600" algn="l" rtl="0" fontAlgn="base">
+      <a:lvl5pPr marL="2057400" indent="-228600" algn="l" rtl="0" eaLnBrk="0" fontAlgn="base" hangingPunct="0">
         <a:lnSpc>
           <a:spcPct val="90000"/>
         </a:lnSpc>
@@ -3471,6 +3472,7 @@
           <a:bodyPr/>
           <a:lstStyle/>
           <a:p>
+            <a:pPr eaLnBrk="1" hangingPunct="1"/>
             <a:r>
               <a:rPr lang="ru-RU" sz="4400" smtClean="0"/>
               <a:t>Задача построения графика горячей прокатки, сбалансированного по видам готовой продукции</a:t>
@@ -3493,28 +3495,28 @@
           <a:bodyPr/>
           <a:lstStyle/>
           <a:p>
-            <a:pPr algn="l"/>
+            <a:pPr algn="l" eaLnBrk="1" hangingPunct="1"/>
             <a:r>
               <a:rPr lang="ru-RU" smtClean="0"/>
               <a:t>Студент: Березин А.А.</a:t>
             </a:r>
           </a:p>
           <a:p>
-            <a:pPr algn="l"/>
+            <a:pPr algn="l" eaLnBrk="1" hangingPunct="1"/>
             <a:r>
               <a:rPr lang="ru-RU" smtClean="0"/>
               <a:t>Группа: МГКН-2</a:t>
             </a:r>
           </a:p>
           <a:p>
-            <a:pPr algn="l"/>
+            <a:pPr algn="l" eaLnBrk="1" hangingPunct="1"/>
             <a:r>
               <a:rPr lang="ru-RU" smtClean="0"/>
               <a:t>Научный руководитель: Баранский В.А.</a:t>
             </a:r>
           </a:p>
           <a:p>
-            <a:pPr algn="l"/>
+            <a:pPr algn="l" eaLnBrk="1" hangingPunct="1"/>
             <a:endParaRPr lang="ru-RU" smtClean="0"/>
           </a:p>
         </p:txBody>
@@ -3553,7 +3555,7 @@
       </p:grpSpPr>
       <p:sp>
         <p:nvSpPr>
-          <p:cNvPr id="34818" name="Rectangle 2"/>
+          <p:cNvPr id="22529" name="Rectangle 2"/>
           <p:cNvSpPr>
             <a:spLocks noGrp="1"/>
           </p:cNvSpPr>
@@ -3566,6 +3568,7 @@
           <a:bodyPr/>
           <a:lstStyle/>
           <a:p>
+            <a:pPr eaLnBrk="1" hangingPunct="1"/>
             <a:r>
               <a:rPr lang="ru-RU" smtClean="0"/>
               <a:t>Связность цепи в отдельном подграфе</a:t>
@@ -3575,7 +3578,7 @@
       </p:sp>
       <p:pic>
         <p:nvPicPr>
-          <p:cNvPr id="34820" name="Picture 4" descr="one_width_system"/>
+          <p:cNvPr id="22530" name="Picture 4" descr="one_width_system"/>
           <p:cNvPicPr>
             <a:picLocks noChangeAspect="1" noChangeArrowheads="1"/>
           </p:cNvPicPr>
@@ -3597,6 +3600,12 @@
             <a:avLst/>
           </a:prstGeom>
           <a:noFill/>
+          <a:ln w="9525">
+            <a:noFill/>
+            <a:miter lim="800000"/>
+            <a:headEnd/>
+            <a:tailEnd/>
+          </a:ln>
         </p:spPr>
       </p:pic>
     </p:spTree>
@@ -3633,7 +3642,7 @@
       </p:grpSpPr>
       <p:sp>
         <p:nvSpPr>
-          <p:cNvPr id="35842" name="Rectangle 2"/>
+          <p:cNvPr id="23553" name="Rectangle 2"/>
           <p:cNvSpPr>
             <a:spLocks noGrp="1"/>
           </p:cNvSpPr>
@@ -3646,6 +3655,7 @@
           <a:bodyPr/>
           <a:lstStyle/>
           <a:p>
+            <a:pPr eaLnBrk="1" hangingPunct="1"/>
             <a:r>
               <a:rPr lang="ru-RU" smtClean="0"/>
               <a:t>Связность цепи между подграфами</a:t>
@@ -3655,7 +3665,7 @@
       </p:sp>
       <p:pic>
         <p:nvPicPr>
-          <p:cNvPr id="35844" name="Picture 4" descr="thirdModel"/>
+          <p:cNvPr id="23554" name="Picture 4" descr="thirdModel"/>
           <p:cNvPicPr>
             <a:picLocks noChangeAspect="1" noChangeArrowheads="1"/>
           </p:cNvPicPr>
@@ -3677,11 +3687,17 @@
             <a:avLst/>
           </a:prstGeom>
           <a:noFill/>
+          <a:ln w="9525">
+            <a:noFill/>
+            <a:miter lim="800000"/>
+            <a:headEnd/>
+            <a:tailEnd/>
+          </a:ln>
         </p:spPr>
       </p:pic>
       <p:pic>
         <p:nvPicPr>
-          <p:cNvPr id="35845" name="Picture 5" descr="third_model_system"/>
+          <p:cNvPr id="23555" name="Picture 5" descr="third_model_system"/>
           <p:cNvPicPr>
             <a:picLocks noChangeAspect="1" noChangeArrowheads="1"/>
           </p:cNvPicPr>
@@ -3703,6 +3719,12 @@
             <a:avLst/>
           </a:prstGeom>
           <a:noFill/>
+          <a:ln w="9525">
+            <a:noFill/>
+            <a:miter lim="800000"/>
+            <a:headEnd/>
+            <a:tailEnd/>
+          </a:ln>
         </p:spPr>
       </p:pic>
     </p:spTree>
@@ -3732,7 +3754,7 @@
       </p:grpSpPr>
       <p:sp>
         <p:nvSpPr>
-          <p:cNvPr id="36866" name="Rectangle 2"/>
+          <p:cNvPr id="24577" name="Rectangle 2"/>
           <p:cNvSpPr>
             <a:spLocks noGrp="1"/>
           </p:cNvSpPr>
@@ -3745,16 +3767,51 @@
           <a:bodyPr/>
           <a:lstStyle/>
           <a:p>
+            <a:pPr eaLnBrk="1" hangingPunct="1"/>
             <a:r>
               <a:rPr lang="ru-RU" smtClean="0"/>
               <a:t>Сравнение подходов к формализации</a:t>
             </a:r>
+          </a:p>
+        </p:txBody>
+      </p:sp>
+      <p:sp>
+        <p:nvSpPr>
+          <p:cNvPr id="24580" name="Rectangle 4"/>
+          <p:cNvSpPr>
+            <a:spLocks noGrp="1"/>
+          </p:cNvSpPr>
+          <p:nvPr>
+            <p:ph type="body" sz="half" idx="4294967295"/>
+          </p:nvPr>
+        </p:nvSpPr>
+        <p:spPr>
+          <a:xfrm>
+            <a:off x="838200" y="1571625"/>
+            <a:ext cx="10344150" cy="450850"/>
+          </a:xfrm>
+        </p:spPr>
+        <p:txBody>
+          <a:bodyPr/>
+          <a:lstStyle/>
+          <a:p>
+            <a:r>
+              <a:rPr lang="ru-RU" sz="2400" smtClean="0"/>
+              <a:t>     — число вершин,        — число подграфов вида </a:t>
+            </a:r>
+          </a:p>
+          <a:p>
+            <a:pPr>
+              <a:buFont typeface="Arial" charset="0"/>
+              <a:buNone/>
+            </a:pPr>
+            <a:endParaRPr lang="ru-RU" sz="2400" smtClean="0"/>
           </a:p>
         </p:txBody>
       </p:sp>
       <p:pic>
         <p:nvPicPr>
-          <p:cNvPr id="36868" name="Picture 4" descr="letters"/>
+          <p:cNvPr id="24581" name="Picture 5" descr="n"/>
           <p:cNvPicPr>
             <a:picLocks noChangeAspect="1" noChangeArrowheads="1"/>
           </p:cNvPicPr>
@@ -3769,8 +3826,1308 @@
         </p:blipFill>
         <p:spPr bwMode="auto">
           <a:xfrm>
-            <a:off x="876300" y="1452563"/>
-            <a:ext cx="8869363" cy="5316537"/>
+            <a:off x="1130300" y="1625600"/>
+            <a:ext cx="304800" cy="304800"/>
+          </a:xfrm>
+          <a:prstGeom prst="rect">
+            <a:avLst/>
+          </a:prstGeom>
+          <a:noFill/>
+        </p:spPr>
+      </p:pic>
+      <p:pic>
+        <p:nvPicPr>
+          <p:cNvPr id="24582" name="Picture 6" descr="m"/>
+          <p:cNvPicPr>
+            <a:picLocks noChangeAspect="1" noChangeArrowheads="1"/>
+          </p:cNvPicPr>
+          <p:nvPr/>
+        </p:nvPicPr>
+        <p:blipFill>
+          <a:blip r:embed="rId3"/>
+          <a:srcRect/>
+          <a:stretch>
+            <a:fillRect/>
+          </a:stretch>
+        </p:blipFill>
+        <p:spPr bwMode="auto">
+          <a:xfrm>
+            <a:off x="3790950" y="1643063"/>
+            <a:ext cx="447675" cy="285750"/>
+          </a:xfrm>
+          <a:prstGeom prst="rect">
+            <a:avLst/>
+          </a:prstGeom>
+          <a:noFill/>
+        </p:spPr>
+      </p:pic>
+      <p:pic>
+        <p:nvPicPr>
+          <p:cNvPr id="24583" name="Picture 7" descr="g_w_i_1"/>
+          <p:cNvPicPr>
+            <a:picLocks noChangeAspect="1" noChangeArrowheads="1"/>
+          </p:cNvPicPr>
+          <p:nvPr/>
+        </p:nvPicPr>
+        <p:blipFill>
+          <a:blip r:embed="rId4"/>
+          <a:srcRect/>
+          <a:stretch>
+            <a:fillRect/>
+          </a:stretch>
+        </p:blipFill>
+        <p:spPr bwMode="auto">
+          <a:xfrm>
+            <a:off x="7667625" y="1516063"/>
+            <a:ext cx="704850" cy="504825"/>
+          </a:xfrm>
+          <a:prstGeom prst="rect">
+            <a:avLst/>
+          </a:prstGeom>
+          <a:noFill/>
+        </p:spPr>
+      </p:pic>
+      <p:graphicFrame>
+        <p:nvGraphicFramePr>
+          <p:cNvPr id="24676" name="Group 100"/>
+          <p:cNvGraphicFramePr>
+            <a:graphicFrameLocks noGrp="1"/>
+          </p:cNvGraphicFramePr>
+          <p:nvPr/>
+        </p:nvGraphicFramePr>
+        <p:xfrm>
+          <a:off x="1003300" y="2181225"/>
+          <a:ext cx="10515600" cy="4351338"/>
+        </p:xfrm>
+        <a:graphic>
+          <a:graphicData uri="http://schemas.openxmlformats.org/drawingml/2006/table">
+            <a:tbl>
+              <a:tblPr/>
+              <a:tblGrid>
+                <a:gridCol w="5257800"/>
+                <a:gridCol w="5257800"/>
+              </a:tblGrid>
+              <a:tr h="544513">
+                <a:tc gridSpan="2">
+                  <a:txBody>
+                    <a:bodyPr/>
+                    <a:lstStyle/>
+                    <a:p>
+                      <a:pPr marL="0" marR="0" lvl="0" indent="0" algn="ctr" defTabSz="914400" rtl="0" eaLnBrk="0" fontAlgn="base" latinLnBrk="0" hangingPunct="0">
+                        <a:lnSpc>
+                          <a:spcPct val="90000"/>
+                        </a:lnSpc>
+                        <a:spcBef>
+                          <a:spcPts val="1000"/>
+                        </a:spcBef>
+                        <a:spcAft>
+                          <a:spcPct val="0"/>
+                        </a:spcAft>
+                        <a:buClrTx/>
+                        <a:buSzTx/>
+                        <a:buFont typeface="Arial" charset="0"/>
+                        <a:buNone/>
+                        <a:tabLst/>
+                      </a:pPr>
+                      <a:r>
+                        <a:rPr kumimoji="0" lang="ru-RU" sz="2400" b="0" i="0" u="none" strike="noStrike" cap="none" normalizeH="0" baseline="0" smtClean="0">
+                          <a:ln>
+                            <a:noFill/>
+                          </a:ln>
+                          <a:solidFill>
+                            <a:schemeClr val="tx1"/>
+                          </a:solidFill>
+                          <a:effectLst/>
+                          <a:latin typeface="Calibri" pitchFamily="34" charset="0"/>
+                        </a:rPr>
+                        <a:t>Локальная задача существования со свободными входами и выходами</a:t>
+                      </a:r>
+                    </a:p>
+                  </a:txBody>
+                  <a:tcPr horzOverflow="overflow">
+                    <a:lnL w="28575" cap="flat" cmpd="sng" algn="ctr">
+                      <a:solidFill>
+                        <a:schemeClr val="tx1"/>
+                      </a:solidFill>
+                      <a:prstDash val="solid"/>
+                      <a:round/>
+                      <a:headEnd type="none" w="med" len="med"/>
+                      <a:tailEnd type="none" w="med" len="med"/>
+                    </a:lnL>
+                    <a:lnR w="28575" cap="flat" cmpd="sng" algn="ctr">
+                      <a:solidFill>
+                        <a:schemeClr val="tx1"/>
+                      </a:solidFill>
+                      <a:prstDash val="solid"/>
+                      <a:round/>
+                      <a:headEnd type="none" w="med" len="med"/>
+                      <a:tailEnd type="none" w="med" len="med"/>
+                    </a:lnR>
+                    <a:lnT w="28575" cap="flat" cmpd="sng" algn="ctr">
+                      <a:solidFill>
+                        <a:schemeClr val="tx1"/>
+                      </a:solidFill>
+                      <a:prstDash val="solid"/>
+                      <a:round/>
+                      <a:headEnd type="none" w="med" len="med"/>
+                      <a:tailEnd type="none" w="med" len="med"/>
+                    </a:lnT>
+                    <a:lnB w="12700" cap="flat" cmpd="sng" algn="ctr">
+                      <a:solidFill>
+                        <a:schemeClr val="tx1"/>
+                      </a:solidFill>
+                      <a:prstDash val="solid"/>
+                      <a:round/>
+                      <a:headEnd type="none" w="med" len="med"/>
+                      <a:tailEnd type="none" w="med" len="med"/>
+                    </a:lnB>
+                    <a:lnTlToBr>
+                      <a:noFill/>
+                    </a:lnTlToBr>
+                    <a:lnBlToTr>
+                      <a:noFill/>
+                    </a:lnBlToTr>
+                    <a:noFill/>
+                  </a:tcPr>
+                </a:tc>
+                <a:tc hMerge="1">
+                  <a:txBody>
+                    <a:bodyPr/>
+                    <a:lstStyle/>
+                    <a:p>
+                      <a:endParaRPr lang="ru-RU"/>
+                    </a:p>
+                  </a:txBody>
+                  <a:tcPr/>
+                </a:tc>
+              </a:tr>
+              <a:tr h="542925">
+                <a:tc>
+                  <a:txBody>
+                    <a:bodyPr/>
+                    <a:lstStyle/>
+                    <a:p>
+                      <a:pPr marL="0" marR="0" lvl="0" indent="0" algn="ctr" defTabSz="914400" rtl="0" eaLnBrk="0" fontAlgn="base" latinLnBrk="0" hangingPunct="0">
+                        <a:lnSpc>
+                          <a:spcPct val="90000"/>
+                        </a:lnSpc>
+                        <a:spcBef>
+                          <a:spcPts val="1000"/>
+                        </a:spcBef>
+                        <a:spcAft>
+                          <a:spcPct val="0"/>
+                        </a:spcAft>
+                        <a:buClrTx/>
+                        <a:buSzTx/>
+                        <a:buFont typeface="Arial" charset="0"/>
+                        <a:buNone/>
+                        <a:tabLst/>
+                      </a:pPr>
+                      <a:endParaRPr kumimoji="0" lang="ru-RU" sz="2400" b="0" i="0" u="none" strike="noStrike" cap="none" normalizeH="0" baseline="0" smtClean="0">
+                        <a:ln>
+                          <a:noFill/>
+                        </a:ln>
+                        <a:solidFill>
+                          <a:schemeClr val="tx1"/>
+                        </a:solidFill>
+                        <a:effectLst/>
+                        <a:latin typeface="Calibri" pitchFamily="34" charset="0"/>
+                      </a:endParaRPr>
+                    </a:p>
+                  </a:txBody>
+                  <a:tcPr horzOverflow="overflow">
+                    <a:lnL w="28575" cap="flat" cmpd="sng" algn="ctr">
+                      <a:solidFill>
+                        <a:schemeClr val="tx1"/>
+                      </a:solidFill>
+                      <a:prstDash val="solid"/>
+                      <a:round/>
+                      <a:headEnd type="none" w="med" len="med"/>
+                      <a:tailEnd type="none" w="med" len="med"/>
+                    </a:lnL>
+                    <a:lnR w="12700" cap="flat" cmpd="sng" algn="ctr">
+                      <a:solidFill>
+                        <a:schemeClr val="tx1"/>
+                      </a:solidFill>
+                      <a:prstDash val="solid"/>
+                      <a:round/>
+                      <a:headEnd type="none" w="med" len="med"/>
+                      <a:tailEnd type="none" w="med" len="med"/>
+                    </a:lnR>
+                    <a:lnT w="12700" cap="flat" cmpd="sng" algn="ctr">
+                      <a:solidFill>
+                        <a:schemeClr val="tx1"/>
+                      </a:solidFill>
+                      <a:prstDash val="solid"/>
+                      <a:round/>
+                      <a:headEnd type="none" w="med" len="med"/>
+                      <a:tailEnd type="none" w="med" len="med"/>
+                    </a:lnT>
+                    <a:lnB w="12700" cap="flat" cmpd="sng" algn="ctr">
+                      <a:solidFill>
+                        <a:schemeClr val="tx1"/>
+                      </a:solidFill>
+                      <a:prstDash val="solid"/>
+                      <a:round/>
+                      <a:headEnd type="none" w="med" len="med"/>
+                      <a:tailEnd type="none" w="med" len="med"/>
+                    </a:lnB>
+                    <a:lnTlToBr>
+                      <a:noFill/>
+                    </a:lnTlToBr>
+                    <a:lnBlToTr>
+                      <a:noFill/>
+                    </a:lnBlToTr>
+                    <a:noFill/>
+                  </a:tcPr>
+                </a:tc>
+                <a:tc>
+                  <a:txBody>
+                    <a:bodyPr/>
+                    <a:lstStyle/>
+                    <a:p>
+                      <a:pPr marL="0" marR="0" lvl="0" indent="0" algn="l" defTabSz="914400" rtl="0" eaLnBrk="0" fontAlgn="base" latinLnBrk="0" hangingPunct="0">
+                        <a:lnSpc>
+                          <a:spcPct val="90000"/>
+                        </a:lnSpc>
+                        <a:spcBef>
+                          <a:spcPts val="1000"/>
+                        </a:spcBef>
+                        <a:spcAft>
+                          <a:spcPct val="0"/>
+                        </a:spcAft>
+                        <a:buClrTx/>
+                        <a:buSzTx/>
+                        <a:buFont typeface="Arial" charset="0"/>
+                        <a:buNone/>
+                        <a:tabLst/>
+                      </a:pPr>
+                      <a:endParaRPr kumimoji="0" lang="ru-RU" sz="2400" b="0" i="0" u="none" strike="noStrike" cap="none" normalizeH="0" baseline="0" smtClean="0">
+                        <a:ln>
+                          <a:noFill/>
+                        </a:ln>
+                        <a:solidFill>
+                          <a:schemeClr val="tx1"/>
+                        </a:solidFill>
+                        <a:effectLst/>
+                        <a:latin typeface="Calibri" pitchFamily="34" charset="0"/>
+                      </a:endParaRPr>
+                    </a:p>
+                  </a:txBody>
+                  <a:tcPr horzOverflow="overflow">
+                    <a:lnL w="12700" cap="flat" cmpd="sng" algn="ctr">
+                      <a:solidFill>
+                        <a:schemeClr val="tx1"/>
+                      </a:solidFill>
+                      <a:prstDash val="solid"/>
+                      <a:round/>
+                      <a:headEnd type="none" w="med" len="med"/>
+                      <a:tailEnd type="none" w="med" len="med"/>
+                    </a:lnL>
+                    <a:lnR w="28575" cap="flat" cmpd="sng" algn="ctr">
+                      <a:solidFill>
+                        <a:schemeClr val="tx1"/>
+                      </a:solidFill>
+                      <a:prstDash val="solid"/>
+                      <a:round/>
+                      <a:headEnd type="none" w="med" len="med"/>
+                      <a:tailEnd type="none" w="med" len="med"/>
+                    </a:lnR>
+                    <a:lnT w="12700" cap="flat" cmpd="sng" algn="ctr">
+                      <a:solidFill>
+                        <a:schemeClr val="tx1"/>
+                      </a:solidFill>
+                      <a:prstDash val="solid"/>
+                      <a:round/>
+                      <a:headEnd type="none" w="med" len="med"/>
+                      <a:tailEnd type="none" w="med" len="med"/>
+                    </a:lnT>
+                    <a:lnB w="12700" cap="flat" cmpd="sng" algn="ctr">
+                      <a:solidFill>
+                        <a:schemeClr val="tx1"/>
+                      </a:solidFill>
+                      <a:prstDash val="solid"/>
+                      <a:round/>
+                      <a:headEnd type="none" w="med" len="med"/>
+                      <a:tailEnd type="none" w="med" len="med"/>
+                    </a:lnB>
+                    <a:lnTlToBr>
+                      <a:noFill/>
+                    </a:lnTlToBr>
+                    <a:lnBlToTr>
+                      <a:noFill/>
+                    </a:lnBlToTr>
+                    <a:noFill/>
+                  </a:tcPr>
+                </a:tc>
+              </a:tr>
+              <a:tr h="544513">
+                <a:tc gridSpan="2">
+                  <a:txBody>
+                    <a:bodyPr/>
+                    <a:lstStyle/>
+                    <a:p>
+                      <a:pPr marL="0" marR="0" lvl="0" indent="0" algn="ctr" defTabSz="914400" rtl="0" eaLnBrk="0" fontAlgn="base" latinLnBrk="0" hangingPunct="0">
+                        <a:lnSpc>
+                          <a:spcPct val="90000"/>
+                        </a:lnSpc>
+                        <a:spcBef>
+                          <a:spcPts val="1000"/>
+                        </a:spcBef>
+                        <a:spcAft>
+                          <a:spcPct val="0"/>
+                        </a:spcAft>
+                        <a:buClrTx/>
+                        <a:buSzTx/>
+                        <a:buFont typeface="Arial" charset="0"/>
+                        <a:buNone/>
+                        <a:tabLst/>
+                      </a:pPr>
+                      <a:r>
+                        <a:rPr kumimoji="0" lang="ru-RU" sz="2400" b="0" i="0" u="none" strike="noStrike" cap="none" normalizeH="0" baseline="0" smtClean="0">
+                          <a:ln>
+                            <a:noFill/>
+                          </a:ln>
+                          <a:solidFill>
+                            <a:schemeClr val="tx1"/>
+                          </a:solidFill>
+                          <a:effectLst/>
+                          <a:latin typeface="Calibri" pitchFamily="34" charset="0"/>
+                        </a:rPr>
+                        <a:t>Локальная задача существования с фиксированными входами и выходами</a:t>
+                      </a:r>
+                    </a:p>
+                  </a:txBody>
+                  <a:tcPr horzOverflow="overflow">
+                    <a:lnL w="28575" cap="flat" cmpd="sng" algn="ctr">
+                      <a:solidFill>
+                        <a:schemeClr val="tx1"/>
+                      </a:solidFill>
+                      <a:prstDash val="solid"/>
+                      <a:round/>
+                      <a:headEnd type="none" w="med" len="med"/>
+                      <a:tailEnd type="none" w="med" len="med"/>
+                    </a:lnL>
+                    <a:lnR w="28575" cap="flat" cmpd="sng" algn="ctr">
+                      <a:solidFill>
+                        <a:schemeClr val="tx1"/>
+                      </a:solidFill>
+                      <a:prstDash val="solid"/>
+                      <a:round/>
+                      <a:headEnd type="none" w="med" len="med"/>
+                      <a:tailEnd type="none" w="med" len="med"/>
+                    </a:lnR>
+                    <a:lnT w="12700" cap="flat" cmpd="sng" algn="ctr">
+                      <a:solidFill>
+                        <a:schemeClr val="tx1"/>
+                      </a:solidFill>
+                      <a:prstDash val="solid"/>
+                      <a:round/>
+                      <a:headEnd type="none" w="med" len="med"/>
+                      <a:tailEnd type="none" w="med" len="med"/>
+                    </a:lnT>
+                    <a:lnB w="12700" cap="flat" cmpd="sng" algn="ctr">
+                      <a:solidFill>
+                        <a:schemeClr val="tx1"/>
+                      </a:solidFill>
+                      <a:prstDash val="solid"/>
+                      <a:round/>
+                      <a:headEnd type="none" w="med" len="med"/>
+                      <a:tailEnd type="none" w="med" len="med"/>
+                    </a:lnB>
+                    <a:lnTlToBr>
+                      <a:noFill/>
+                    </a:lnTlToBr>
+                    <a:lnBlToTr>
+                      <a:noFill/>
+                    </a:lnBlToTr>
+                    <a:noFill/>
+                  </a:tcPr>
+                </a:tc>
+                <a:tc hMerge="1">
+                  <a:txBody>
+                    <a:bodyPr/>
+                    <a:lstStyle/>
+                    <a:p>
+                      <a:endParaRPr lang="ru-RU"/>
+                    </a:p>
+                  </a:txBody>
+                  <a:tcPr/>
+                </a:tc>
+              </a:tr>
+              <a:tr h="544513">
+                <a:tc>
+                  <a:txBody>
+                    <a:bodyPr/>
+                    <a:lstStyle/>
+                    <a:p>
+                      <a:pPr marL="0" marR="0" lvl="0" indent="0" algn="ctr" defTabSz="914400" rtl="0" eaLnBrk="0" fontAlgn="base" latinLnBrk="0" hangingPunct="0">
+                        <a:lnSpc>
+                          <a:spcPct val="90000"/>
+                        </a:lnSpc>
+                        <a:spcBef>
+                          <a:spcPts val="1000"/>
+                        </a:spcBef>
+                        <a:spcAft>
+                          <a:spcPct val="0"/>
+                        </a:spcAft>
+                        <a:buClrTx/>
+                        <a:buSzTx/>
+                        <a:buFont typeface="Arial" charset="0"/>
+                        <a:buNone/>
+                        <a:tabLst/>
+                      </a:pPr>
+                      <a:endParaRPr kumimoji="0" lang="ru-RU" sz="2400" b="0" i="0" u="none" strike="noStrike" cap="none" normalizeH="0" baseline="0" smtClean="0">
+                        <a:ln>
+                          <a:noFill/>
+                        </a:ln>
+                        <a:solidFill>
+                          <a:schemeClr val="tx1"/>
+                        </a:solidFill>
+                        <a:effectLst/>
+                        <a:latin typeface="Calibri" pitchFamily="34" charset="0"/>
+                      </a:endParaRPr>
+                    </a:p>
+                  </a:txBody>
+                  <a:tcPr horzOverflow="overflow">
+                    <a:lnL w="28575" cap="flat" cmpd="sng" algn="ctr">
+                      <a:solidFill>
+                        <a:schemeClr val="tx1"/>
+                      </a:solidFill>
+                      <a:prstDash val="solid"/>
+                      <a:round/>
+                      <a:headEnd type="none" w="med" len="med"/>
+                      <a:tailEnd type="none" w="med" len="med"/>
+                    </a:lnL>
+                    <a:lnR w="12700" cap="flat" cmpd="sng" algn="ctr">
+                      <a:solidFill>
+                        <a:schemeClr val="tx1"/>
+                      </a:solidFill>
+                      <a:prstDash val="solid"/>
+                      <a:round/>
+                      <a:headEnd type="none" w="med" len="med"/>
+                      <a:tailEnd type="none" w="med" len="med"/>
+                    </a:lnR>
+                    <a:lnT w="12700" cap="flat" cmpd="sng" algn="ctr">
+                      <a:solidFill>
+                        <a:schemeClr val="tx1"/>
+                      </a:solidFill>
+                      <a:prstDash val="solid"/>
+                      <a:round/>
+                      <a:headEnd type="none" w="med" len="med"/>
+                      <a:tailEnd type="none" w="med" len="med"/>
+                    </a:lnT>
+                    <a:lnB w="12700" cap="flat" cmpd="sng" algn="ctr">
+                      <a:solidFill>
+                        <a:schemeClr val="tx1"/>
+                      </a:solidFill>
+                      <a:prstDash val="solid"/>
+                      <a:round/>
+                      <a:headEnd type="none" w="med" len="med"/>
+                      <a:tailEnd type="none" w="med" len="med"/>
+                    </a:lnB>
+                    <a:lnTlToBr>
+                      <a:noFill/>
+                    </a:lnTlToBr>
+                    <a:lnBlToTr>
+                      <a:noFill/>
+                    </a:lnBlToTr>
+                    <a:noFill/>
+                  </a:tcPr>
+                </a:tc>
+                <a:tc>
+                  <a:txBody>
+                    <a:bodyPr/>
+                    <a:lstStyle/>
+                    <a:p>
+                      <a:pPr marL="0" marR="0" lvl="0" indent="0" algn="l" defTabSz="914400" rtl="0" eaLnBrk="0" fontAlgn="base" latinLnBrk="0" hangingPunct="0">
+                        <a:lnSpc>
+                          <a:spcPct val="90000"/>
+                        </a:lnSpc>
+                        <a:spcBef>
+                          <a:spcPts val="1000"/>
+                        </a:spcBef>
+                        <a:spcAft>
+                          <a:spcPct val="0"/>
+                        </a:spcAft>
+                        <a:buClrTx/>
+                        <a:buSzTx/>
+                        <a:buFont typeface="Arial" charset="0"/>
+                        <a:buNone/>
+                        <a:tabLst/>
+                      </a:pPr>
+                      <a:endParaRPr kumimoji="0" lang="ru-RU" sz="2400" b="0" i="0" u="none" strike="noStrike" cap="none" normalizeH="0" baseline="0" smtClean="0">
+                        <a:ln>
+                          <a:noFill/>
+                        </a:ln>
+                        <a:solidFill>
+                          <a:schemeClr val="tx1"/>
+                        </a:solidFill>
+                        <a:effectLst/>
+                        <a:latin typeface="Calibri" pitchFamily="34" charset="0"/>
+                      </a:endParaRPr>
+                    </a:p>
+                  </a:txBody>
+                  <a:tcPr horzOverflow="overflow">
+                    <a:lnL w="12700" cap="flat" cmpd="sng" algn="ctr">
+                      <a:solidFill>
+                        <a:schemeClr val="tx1"/>
+                      </a:solidFill>
+                      <a:prstDash val="solid"/>
+                      <a:round/>
+                      <a:headEnd type="none" w="med" len="med"/>
+                      <a:tailEnd type="none" w="med" len="med"/>
+                    </a:lnL>
+                    <a:lnR w="28575" cap="flat" cmpd="sng" algn="ctr">
+                      <a:solidFill>
+                        <a:schemeClr val="tx1"/>
+                      </a:solidFill>
+                      <a:prstDash val="solid"/>
+                      <a:round/>
+                      <a:headEnd type="none" w="med" len="med"/>
+                      <a:tailEnd type="none" w="med" len="med"/>
+                    </a:lnR>
+                    <a:lnT w="12700" cap="flat" cmpd="sng" algn="ctr">
+                      <a:solidFill>
+                        <a:schemeClr val="tx1"/>
+                      </a:solidFill>
+                      <a:prstDash val="solid"/>
+                      <a:round/>
+                      <a:headEnd type="none" w="med" len="med"/>
+                      <a:tailEnd type="none" w="med" len="med"/>
+                    </a:lnT>
+                    <a:lnB w="12700" cap="flat" cmpd="sng" algn="ctr">
+                      <a:solidFill>
+                        <a:schemeClr val="tx1"/>
+                      </a:solidFill>
+                      <a:prstDash val="solid"/>
+                      <a:round/>
+                      <a:headEnd type="none" w="med" len="med"/>
+                      <a:tailEnd type="none" w="med" len="med"/>
+                    </a:lnB>
+                    <a:lnTlToBr>
+                      <a:noFill/>
+                    </a:lnTlToBr>
+                    <a:lnBlToTr>
+                      <a:noFill/>
+                    </a:lnBlToTr>
+                    <a:noFill/>
+                  </a:tcPr>
+                </a:tc>
+              </a:tr>
+              <a:tr h="542925">
+                <a:tc gridSpan="2">
+                  <a:txBody>
+                    <a:bodyPr/>
+                    <a:lstStyle/>
+                    <a:p>
+                      <a:pPr marL="0" marR="0" lvl="0" indent="0" algn="ctr" defTabSz="914400" rtl="0" eaLnBrk="0" fontAlgn="base" latinLnBrk="0" hangingPunct="0">
+                        <a:lnSpc>
+                          <a:spcPct val="90000"/>
+                        </a:lnSpc>
+                        <a:spcBef>
+                          <a:spcPts val="1000"/>
+                        </a:spcBef>
+                        <a:spcAft>
+                          <a:spcPct val="0"/>
+                        </a:spcAft>
+                        <a:buClrTx/>
+                        <a:buSzTx/>
+                        <a:buFont typeface="Arial" charset="0"/>
+                        <a:buNone/>
+                        <a:tabLst/>
+                      </a:pPr>
+                      <a:r>
+                        <a:rPr kumimoji="0" lang="ru-RU" sz="2400" b="0" i="0" u="none" strike="noStrike" cap="none" normalizeH="0" baseline="0" smtClean="0">
+                          <a:ln>
+                            <a:noFill/>
+                          </a:ln>
+                          <a:solidFill>
+                            <a:schemeClr val="tx1"/>
+                          </a:solidFill>
+                          <a:effectLst/>
+                          <a:latin typeface="Calibri" pitchFamily="34" charset="0"/>
+                        </a:rPr>
+                        <a:t>Исходная задача существования</a:t>
+                      </a:r>
+                    </a:p>
+                  </a:txBody>
+                  <a:tcPr horzOverflow="overflow">
+                    <a:lnL w="28575" cap="flat" cmpd="sng" algn="ctr">
+                      <a:solidFill>
+                        <a:schemeClr val="tx1"/>
+                      </a:solidFill>
+                      <a:prstDash val="solid"/>
+                      <a:round/>
+                      <a:headEnd type="none" w="med" len="med"/>
+                      <a:tailEnd type="none" w="med" len="med"/>
+                    </a:lnL>
+                    <a:lnR w="28575" cap="flat" cmpd="sng" algn="ctr">
+                      <a:solidFill>
+                        <a:schemeClr val="tx1"/>
+                      </a:solidFill>
+                      <a:prstDash val="solid"/>
+                      <a:round/>
+                      <a:headEnd type="none" w="med" len="med"/>
+                      <a:tailEnd type="none" w="med" len="med"/>
+                    </a:lnR>
+                    <a:lnT w="12700" cap="flat" cmpd="sng" algn="ctr">
+                      <a:solidFill>
+                        <a:schemeClr val="tx1"/>
+                      </a:solidFill>
+                      <a:prstDash val="solid"/>
+                      <a:round/>
+                      <a:headEnd type="none" w="med" len="med"/>
+                      <a:tailEnd type="none" w="med" len="med"/>
+                    </a:lnT>
+                    <a:lnB w="12700" cap="flat" cmpd="sng" algn="ctr">
+                      <a:solidFill>
+                        <a:schemeClr val="tx1"/>
+                      </a:solidFill>
+                      <a:prstDash val="solid"/>
+                      <a:round/>
+                      <a:headEnd type="none" w="med" len="med"/>
+                      <a:tailEnd type="none" w="med" len="med"/>
+                    </a:lnB>
+                    <a:lnTlToBr>
+                      <a:noFill/>
+                    </a:lnTlToBr>
+                    <a:lnBlToTr>
+                      <a:noFill/>
+                    </a:lnBlToTr>
+                    <a:noFill/>
+                  </a:tcPr>
+                </a:tc>
+                <a:tc hMerge="1">
+                  <a:txBody>
+                    <a:bodyPr/>
+                    <a:lstStyle/>
+                    <a:p>
+                      <a:endParaRPr lang="ru-RU"/>
+                    </a:p>
+                  </a:txBody>
+                  <a:tcPr/>
+                </a:tc>
+              </a:tr>
+              <a:tr h="544513">
+                <a:tc>
+                  <a:txBody>
+                    <a:bodyPr/>
+                    <a:lstStyle/>
+                    <a:p>
+                      <a:pPr marL="0" marR="0" lvl="0" indent="0" algn="ctr" defTabSz="914400" rtl="0" eaLnBrk="0" fontAlgn="base" latinLnBrk="0" hangingPunct="0">
+                        <a:lnSpc>
+                          <a:spcPct val="90000"/>
+                        </a:lnSpc>
+                        <a:spcBef>
+                          <a:spcPts val="1000"/>
+                        </a:spcBef>
+                        <a:spcAft>
+                          <a:spcPct val="0"/>
+                        </a:spcAft>
+                        <a:buClrTx/>
+                        <a:buSzTx/>
+                        <a:buFont typeface="Arial" charset="0"/>
+                        <a:buNone/>
+                        <a:tabLst/>
+                      </a:pPr>
+                      <a:endParaRPr kumimoji="0" lang="ru-RU" sz="2400" b="0" i="0" u="none" strike="noStrike" cap="none" normalizeH="0" baseline="0" smtClean="0">
+                        <a:ln>
+                          <a:noFill/>
+                        </a:ln>
+                        <a:solidFill>
+                          <a:schemeClr val="tx1"/>
+                        </a:solidFill>
+                        <a:effectLst/>
+                        <a:latin typeface="Calibri" pitchFamily="34" charset="0"/>
+                      </a:endParaRPr>
+                    </a:p>
+                  </a:txBody>
+                  <a:tcPr horzOverflow="overflow">
+                    <a:lnL w="28575" cap="flat" cmpd="sng" algn="ctr">
+                      <a:solidFill>
+                        <a:schemeClr val="tx1"/>
+                      </a:solidFill>
+                      <a:prstDash val="solid"/>
+                      <a:round/>
+                      <a:headEnd type="none" w="med" len="med"/>
+                      <a:tailEnd type="none" w="med" len="med"/>
+                    </a:lnL>
+                    <a:lnR w="12700" cap="flat" cmpd="sng" algn="ctr">
+                      <a:solidFill>
+                        <a:schemeClr val="tx1"/>
+                      </a:solidFill>
+                      <a:prstDash val="solid"/>
+                      <a:round/>
+                      <a:headEnd type="none" w="med" len="med"/>
+                      <a:tailEnd type="none" w="med" len="med"/>
+                    </a:lnR>
+                    <a:lnT w="12700" cap="flat" cmpd="sng" algn="ctr">
+                      <a:solidFill>
+                        <a:schemeClr val="tx1"/>
+                      </a:solidFill>
+                      <a:prstDash val="solid"/>
+                      <a:round/>
+                      <a:headEnd type="none" w="med" len="med"/>
+                      <a:tailEnd type="none" w="med" len="med"/>
+                    </a:lnT>
+                    <a:lnB w="12700" cap="flat" cmpd="sng" algn="ctr">
+                      <a:solidFill>
+                        <a:schemeClr val="tx1"/>
+                      </a:solidFill>
+                      <a:prstDash val="solid"/>
+                      <a:round/>
+                      <a:headEnd type="none" w="med" len="med"/>
+                      <a:tailEnd type="none" w="med" len="med"/>
+                    </a:lnB>
+                    <a:lnTlToBr>
+                      <a:noFill/>
+                    </a:lnTlToBr>
+                    <a:lnBlToTr>
+                      <a:noFill/>
+                    </a:lnBlToTr>
+                    <a:noFill/>
+                  </a:tcPr>
+                </a:tc>
+                <a:tc>
+                  <a:txBody>
+                    <a:bodyPr/>
+                    <a:lstStyle/>
+                    <a:p>
+                      <a:pPr marL="0" marR="0" lvl="0" indent="0" algn="l" defTabSz="914400" rtl="0" eaLnBrk="0" fontAlgn="base" latinLnBrk="0" hangingPunct="0">
+                        <a:lnSpc>
+                          <a:spcPct val="90000"/>
+                        </a:lnSpc>
+                        <a:spcBef>
+                          <a:spcPts val="1000"/>
+                        </a:spcBef>
+                        <a:spcAft>
+                          <a:spcPct val="0"/>
+                        </a:spcAft>
+                        <a:buClrTx/>
+                        <a:buSzTx/>
+                        <a:buFont typeface="Arial" charset="0"/>
+                        <a:buNone/>
+                        <a:tabLst/>
+                      </a:pPr>
+                      <a:endParaRPr kumimoji="0" lang="ru-RU" sz="2400" b="0" i="0" u="none" strike="noStrike" cap="none" normalizeH="0" baseline="0" smtClean="0">
+                        <a:ln>
+                          <a:noFill/>
+                        </a:ln>
+                        <a:solidFill>
+                          <a:schemeClr val="tx1"/>
+                        </a:solidFill>
+                        <a:effectLst/>
+                        <a:latin typeface="Calibri" pitchFamily="34" charset="0"/>
+                      </a:endParaRPr>
+                    </a:p>
+                  </a:txBody>
+                  <a:tcPr horzOverflow="overflow">
+                    <a:lnL w="12700" cap="flat" cmpd="sng" algn="ctr">
+                      <a:solidFill>
+                        <a:schemeClr val="tx1"/>
+                      </a:solidFill>
+                      <a:prstDash val="solid"/>
+                      <a:round/>
+                      <a:headEnd type="none" w="med" len="med"/>
+                      <a:tailEnd type="none" w="med" len="med"/>
+                    </a:lnL>
+                    <a:lnR w="28575" cap="flat" cmpd="sng" algn="ctr">
+                      <a:solidFill>
+                        <a:schemeClr val="tx1"/>
+                      </a:solidFill>
+                      <a:prstDash val="solid"/>
+                      <a:round/>
+                      <a:headEnd type="none" w="med" len="med"/>
+                      <a:tailEnd type="none" w="med" len="med"/>
+                    </a:lnR>
+                    <a:lnT w="12700" cap="flat" cmpd="sng" algn="ctr">
+                      <a:solidFill>
+                        <a:schemeClr val="tx1"/>
+                      </a:solidFill>
+                      <a:prstDash val="solid"/>
+                      <a:round/>
+                      <a:headEnd type="none" w="med" len="med"/>
+                      <a:tailEnd type="none" w="med" len="med"/>
+                    </a:lnT>
+                    <a:lnB w="12700" cap="flat" cmpd="sng" algn="ctr">
+                      <a:solidFill>
+                        <a:schemeClr val="tx1"/>
+                      </a:solidFill>
+                      <a:prstDash val="solid"/>
+                      <a:round/>
+                      <a:headEnd type="none" w="med" len="med"/>
+                      <a:tailEnd type="none" w="med" len="med"/>
+                    </a:lnB>
+                    <a:lnTlToBr>
+                      <a:noFill/>
+                    </a:lnTlToBr>
+                    <a:lnBlToTr>
+                      <a:noFill/>
+                    </a:lnBlToTr>
+                    <a:noFill/>
+                  </a:tcPr>
+                </a:tc>
+              </a:tr>
+              <a:tr h="542925">
+                <a:tc gridSpan="2">
+                  <a:txBody>
+                    <a:bodyPr/>
+                    <a:lstStyle/>
+                    <a:p>
+                      <a:pPr marL="0" marR="0" lvl="0" indent="0" algn="ctr" defTabSz="914400" rtl="0" eaLnBrk="0" fontAlgn="base" latinLnBrk="0" hangingPunct="0">
+                        <a:lnSpc>
+                          <a:spcPct val="90000"/>
+                        </a:lnSpc>
+                        <a:spcBef>
+                          <a:spcPts val="1000"/>
+                        </a:spcBef>
+                        <a:spcAft>
+                          <a:spcPct val="0"/>
+                        </a:spcAft>
+                        <a:buClrTx/>
+                        <a:buSzTx/>
+                        <a:buFont typeface="Arial" charset="0"/>
+                        <a:buNone/>
+                        <a:tabLst/>
+                      </a:pPr>
+                      <a:r>
+                        <a:rPr kumimoji="0" lang="ru-RU" sz="2400" b="0" i="0" u="none" strike="noStrike" cap="none" normalizeH="0" baseline="0" smtClean="0">
+                          <a:ln>
+                            <a:noFill/>
+                          </a:ln>
+                          <a:solidFill>
+                            <a:schemeClr val="tx1"/>
+                          </a:solidFill>
+                          <a:effectLst/>
+                          <a:latin typeface="Calibri" pitchFamily="34" charset="0"/>
+                        </a:rPr>
+                        <a:t>Классический подход</a:t>
+                      </a:r>
+                    </a:p>
+                  </a:txBody>
+                  <a:tcPr horzOverflow="overflow">
+                    <a:lnL w="28575" cap="flat" cmpd="sng" algn="ctr">
+                      <a:solidFill>
+                        <a:schemeClr val="tx1"/>
+                      </a:solidFill>
+                      <a:prstDash val="solid"/>
+                      <a:round/>
+                      <a:headEnd type="none" w="med" len="med"/>
+                      <a:tailEnd type="none" w="med" len="med"/>
+                    </a:lnL>
+                    <a:lnR w="28575" cap="flat" cmpd="sng" algn="ctr">
+                      <a:solidFill>
+                        <a:schemeClr val="tx1"/>
+                      </a:solidFill>
+                      <a:prstDash val="solid"/>
+                      <a:round/>
+                      <a:headEnd type="none" w="med" len="med"/>
+                      <a:tailEnd type="none" w="med" len="med"/>
+                    </a:lnR>
+                    <a:lnT w="12700" cap="flat" cmpd="sng" algn="ctr">
+                      <a:solidFill>
+                        <a:schemeClr val="tx1"/>
+                      </a:solidFill>
+                      <a:prstDash val="solid"/>
+                      <a:round/>
+                      <a:headEnd type="none" w="med" len="med"/>
+                      <a:tailEnd type="none" w="med" len="med"/>
+                    </a:lnT>
+                    <a:lnB w="12700" cap="flat" cmpd="sng" algn="ctr">
+                      <a:solidFill>
+                        <a:schemeClr val="tx1"/>
+                      </a:solidFill>
+                      <a:prstDash val="solid"/>
+                      <a:round/>
+                      <a:headEnd type="none" w="med" len="med"/>
+                      <a:tailEnd type="none" w="med" len="med"/>
+                    </a:lnB>
+                    <a:lnTlToBr>
+                      <a:noFill/>
+                    </a:lnTlToBr>
+                    <a:lnBlToTr>
+                      <a:noFill/>
+                    </a:lnBlToTr>
+                    <a:noFill/>
+                  </a:tcPr>
+                </a:tc>
+                <a:tc hMerge="1">
+                  <a:txBody>
+                    <a:bodyPr/>
+                    <a:lstStyle/>
+                    <a:p>
+                      <a:endParaRPr lang="ru-RU"/>
+                    </a:p>
+                  </a:txBody>
+                  <a:tcPr/>
+                </a:tc>
+              </a:tr>
+              <a:tr h="544513">
+                <a:tc>
+                  <a:txBody>
+                    <a:bodyPr/>
+                    <a:lstStyle/>
+                    <a:p>
+                      <a:pPr marL="0" marR="0" lvl="0" indent="0" algn="l" defTabSz="914400" rtl="0" eaLnBrk="0" fontAlgn="base" latinLnBrk="0" hangingPunct="0">
+                        <a:lnSpc>
+                          <a:spcPct val="90000"/>
+                        </a:lnSpc>
+                        <a:spcBef>
+                          <a:spcPts val="1000"/>
+                        </a:spcBef>
+                        <a:spcAft>
+                          <a:spcPct val="0"/>
+                        </a:spcAft>
+                        <a:buClrTx/>
+                        <a:buSzTx/>
+                        <a:buFont typeface="Arial" charset="0"/>
+                        <a:buNone/>
+                        <a:tabLst/>
+                      </a:pPr>
+                      <a:endParaRPr kumimoji="0" lang="ru-RU" sz="2400" b="0" i="0" u="none" strike="noStrike" cap="none" normalizeH="0" baseline="0" smtClean="0">
+                        <a:ln>
+                          <a:noFill/>
+                        </a:ln>
+                        <a:solidFill>
+                          <a:schemeClr val="tx1"/>
+                        </a:solidFill>
+                        <a:effectLst/>
+                        <a:latin typeface="Calibri" pitchFamily="34" charset="0"/>
+                      </a:endParaRPr>
+                    </a:p>
+                  </a:txBody>
+                  <a:tcPr horzOverflow="overflow">
+                    <a:lnL w="28575" cap="flat" cmpd="sng" algn="ctr">
+                      <a:solidFill>
+                        <a:schemeClr val="tx1"/>
+                      </a:solidFill>
+                      <a:prstDash val="solid"/>
+                      <a:round/>
+                      <a:headEnd type="none" w="med" len="med"/>
+                      <a:tailEnd type="none" w="med" len="med"/>
+                    </a:lnL>
+                    <a:lnR w="12700" cap="flat" cmpd="sng" algn="ctr">
+                      <a:solidFill>
+                        <a:schemeClr val="tx1"/>
+                      </a:solidFill>
+                      <a:prstDash val="solid"/>
+                      <a:round/>
+                      <a:headEnd type="none" w="med" len="med"/>
+                      <a:tailEnd type="none" w="med" len="med"/>
+                    </a:lnR>
+                    <a:lnT w="12700" cap="flat" cmpd="sng" algn="ctr">
+                      <a:solidFill>
+                        <a:schemeClr val="tx1"/>
+                      </a:solidFill>
+                      <a:prstDash val="solid"/>
+                      <a:round/>
+                      <a:headEnd type="none" w="med" len="med"/>
+                      <a:tailEnd type="none" w="med" len="med"/>
+                    </a:lnT>
+                    <a:lnB w="28575" cap="flat" cmpd="sng" algn="ctr">
+                      <a:solidFill>
+                        <a:schemeClr val="tx1"/>
+                      </a:solidFill>
+                      <a:prstDash val="solid"/>
+                      <a:round/>
+                      <a:headEnd type="none" w="med" len="med"/>
+                      <a:tailEnd type="none" w="med" len="med"/>
+                    </a:lnB>
+                    <a:lnTlToBr>
+                      <a:noFill/>
+                    </a:lnTlToBr>
+                    <a:lnBlToTr>
+                      <a:noFill/>
+                    </a:lnBlToTr>
+                    <a:noFill/>
+                  </a:tcPr>
+                </a:tc>
+                <a:tc>
+                  <a:txBody>
+                    <a:bodyPr/>
+                    <a:lstStyle/>
+                    <a:p>
+                      <a:pPr marL="0" marR="0" lvl="0" indent="0" algn="l" defTabSz="914400" rtl="0" eaLnBrk="0" fontAlgn="base" latinLnBrk="0" hangingPunct="0">
+                        <a:lnSpc>
+                          <a:spcPct val="90000"/>
+                        </a:lnSpc>
+                        <a:spcBef>
+                          <a:spcPts val="1000"/>
+                        </a:spcBef>
+                        <a:spcAft>
+                          <a:spcPct val="0"/>
+                        </a:spcAft>
+                        <a:buClrTx/>
+                        <a:buSzTx/>
+                        <a:buFont typeface="Arial" charset="0"/>
+                        <a:buNone/>
+                        <a:tabLst/>
+                      </a:pPr>
+                      <a:endParaRPr kumimoji="0" lang="ru-RU" sz="2400" b="0" i="0" u="none" strike="noStrike" cap="none" normalizeH="0" baseline="0" smtClean="0">
+                        <a:ln>
+                          <a:noFill/>
+                        </a:ln>
+                        <a:solidFill>
+                          <a:schemeClr val="tx1"/>
+                        </a:solidFill>
+                        <a:effectLst/>
+                        <a:latin typeface="Calibri" pitchFamily="34" charset="0"/>
+                      </a:endParaRPr>
+                    </a:p>
+                  </a:txBody>
+                  <a:tcPr horzOverflow="overflow">
+                    <a:lnL w="12700" cap="flat" cmpd="sng" algn="ctr">
+                      <a:solidFill>
+                        <a:schemeClr val="tx1"/>
+                      </a:solidFill>
+                      <a:prstDash val="solid"/>
+                      <a:round/>
+                      <a:headEnd type="none" w="med" len="med"/>
+                      <a:tailEnd type="none" w="med" len="med"/>
+                    </a:lnL>
+                    <a:lnR w="28575" cap="flat" cmpd="sng" algn="ctr">
+                      <a:solidFill>
+                        <a:schemeClr val="tx1"/>
+                      </a:solidFill>
+                      <a:prstDash val="solid"/>
+                      <a:round/>
+                      <a:headEnd type="none" w="med" len="med"/>
+                      <a:tailEnd type="none" w="med" len="med"/>
+                    </a:lnR>
+                    <a:lnT w="12700" cap="flat" cmpd="sng" algn="ctr">
+                      <a:solidFill>
+                        <a:schemeClr val="tx1"/>
+                      </a:solidFill>
+                      <a:prstDash val="solid"/>
+                      <a:round/>
+                      <a:headEnd type="none" w="med" len="med"/>
+                      <a:tailEnd type="none" w="med" len="med"/>
+                    </a:lnT>
+                    <a:lnB w="28575" cap="flat" cmpd="sng" algn="ctr">
+                      <a:solidFill>
+                        <a:schemeClr val="tx1"/>
+                      </a:solidFill>
+                      <a:prstDash val="solid"/>
+                      <a:round/>
+                      <a:headEnd type="none" w="med" len="med"/>
+                      <a:tailEnd type="none" w="med" len="med"/>
+                    </a:lnB>
+                    <a:lnTlToBr>
+                      <a:noFill/>
+                    </a:lnTlToBr>
+                    <a:lnBlToTr>
+                      <a:noFill/>
+                    </a:lnBlToTr>
+                    <a:noFill/>
+                  </a:tcPr>
+                </a:tc>
+              </a:tr>
+            </a:tbl>
+          </a:graphicData>
+        </a:graphic>
+      </p:graphicFrame>
+      <p:pic>
+        <p:nvPicPr>
+          <p:cNvPr id="24704" name="Picture 128" descr="fix_var"/>
+          <p:cNvPicPr>
+            <a:picLocks noChangeAspect="1" noChangeArrowheads="1"/>
+          </p:cNvPicPr>
+          <p:nvPr/>
+        </p:nvPicPr>
+        <p:blipFill>
+          <a:blip r:embed="rId5"/>
+          <a:srcRect/>
+          <a:stretch>
+            <a:fillRect/>
+          </a:stretch>
+        </p:blipFill>
+        <p:spPr bwMode="auto">
+          <a:xfrm>
+            <a:off x="3379788" y="2874963"/>
+            <a:ext cx="276225" cy="257175"/>
+          </a:xfrm>
+          <a:prstGeom prst="rect">
+            <a:avLst/>
+          </a:prstGeom>
+          <a:noFill/>
+        </p:spPr>
+      </p:pic>
+      <p:pic>
+        <p:nvPicPr>
+          <p:cNvPr id="24705" name="Picture 129" descr="fix_constr"/>
+          <p:cNvPicPr>
+            <a:picLocks noChangeAspect="1" noChangeArrowheads="1"/>
+          </p:cNvPicPr>
+          <p:nvPr/>
+        </p:nvPicPr>
+        <p:blipFill>
+          <a:blip r:embed="rId6"/>
+          <a:srcRect/>
+          <a:stretch>
+            <a:fillRect/>
+          </a:stretch>
+        </p:blipFill>
+        <p:spPr bwMode="auto">
+          <a:xfrm>
+            <a:off x="8159750" y="2794000"/>
+            <a:ext cx="1476375" cy="390525"/>
+          </a:xfrm>
+          <a:prstGeom prst="rect">
+            <a:avLst/>
+          </a:prstGeom>
+          <a:noFill/>
+        </p:spPr>
+      </p:pic>
+      <p:pic>
+        <p:nvPicPr>
+          <p:cNvPr id="24706" name="Picture 130" descr="free_var"/>
+          <p:cNvPicPr>
+            <a:picLocks noChangeAspect="1" noChangeArrowheads="1"/>
+          </p:cNvPicPr>
+          <p:nvPr/>
+        </p:nvPicPr>
+        <p:blipFill>
+          <a:blip r:embed="rId7"/>
+          <a:srcRect/>
+          <a:stretch>
+            <a:fillRect/>
+          </a:stretch>
+        </p:blipFill>
+        <p:spPr bwMode="auto">
+          <a:xfrm>
+            <a:off x="3206750" y="3868738"/>
+            <a:ext cx="542925" cy="390525"/>
+          </a:xfrm>
+          <a:prstGeom prst="rect">
+            <a:avLst/>
+          </a:prstGeom>
+          <a:noFill/>
+        </p:spPr>
+      </p:pic>
+      <p:pic>
+        <p:nvPicPr>
+          <p:cNvPr id="24707" name="Picture 131" descr="free_constr"/>
+          <p:cNvPicPr>
+            <a:picLocks noChangeAspect="1" noChangeArrowheads="1"/>
+          </p:cNvPicPr>
+          <p:nvPr/>
+        </p:nvPicPr>
+        <p:blipFill>
+          <a:blip r:embed="rId8"/>
+          <a:srcRect/>
+          <a:stretch>
+            <a:fillRect/>
+          </a:stretch>
+        </p:blipFill>
+        <p:spPr bwMode="auto">
+          <a:xfrm>
+            <a:off x="8024813" y="3860800"/>
+            <a:ext cx="1771650" cy="428625"/>
+          </a:xfrm>
+          <a:prstGeom prst="rect">
+            <a:avLst/>
+          </a:prstGeom>
+          <a:noFill/>
+        </p:spPr>
+      </p:pic>
+      <p:pic>
+        <p:nvPicPr>
+          <p:cNvPr id="24708" name="Picture 132" descr="source_var"/>
+          <p:cNvPicPr>
+            <a:picLocks noChangeAspect="1" noChangeArrowheads="1"/>
+          </p:cNvPicPr>
+          <p:nvPr/>
+        </p:nvPicPr>
+        <p:blipFill>
+          <a:blip r:embed="rId9"/>
+          <a:srcRect/>
+          <a:stretch>
+            <a:fillRect/>
+          </a:stretch>
+        </p:blipFill>
+        <p:spPr bwMode="auto">
+          <a:xfrm>
+            <a:off x="2805113" y="4972050"/>
+            <a:ext cx="1476375" cy="381000"/>
+          </a:xfrm>
+          <a:prstGeom prst="rect">
+            <a:avLst/>
+          </a:prstGeom>
+          <a:noFill/>
+        </p:spPr>
+      </p:pic>
+      <p:pic>
+        <p:nvPicPr>
+          <p:cNvPr id="24709" name="Picture 133" descr="source_constr"/>
+          <p:cNvPicPr>
+            <a:picLocks noChangeAspect="1" noChangeArrowheads="1"/>
+          </p:cNvPicPr>
+          <p:nvPr/>
+        </p:nvPicPr>
+        <p:blipFill>
+          <a:blip r:embed="rId10"/>
+          <a:srcRect/>
+          <a:stretch>
+            <a:fillRect/>
+          </a:stretch>
+        </p:blipFill>
+        <p:spPr bwMode="auto">
+          <a:xfrm>
+            <a:off x="6526213" y="4946650"/>
+            <a:ext cx="4814887" cy="476250"/>
+          </a:xfrm>
+          <a:prstGeom prst="rect">
+            <a:avLst/>
+          </a:prstGeom>
+          <a:noFill/>
+        </p:spPr>
+      </p:pic>
+      <p:pic>
+        <p:nvPicPr>
+          <p:cNvPr id="24710" name="Picture 134" descr="n_2"/>
+          <p:cNvPicPr>
+            <a:picLocks noChangeAspect="1" noChangeArrowheads="1"/>
+          </p:cNvPicPr>
+          <p:nvPr/>
+        </p:nvPicPr>
+        <p:blipFill>
+          <a:blip r:embed="rId11"/>
+          <a:srcRect/>
+          <a:stretch>
+            <a:fillRect/>
+          </a:stretch>
+        </p:blipFill>
+        <p:spPr bwMode="auto">
+          <a:xfrm>
+            <a:off x="3325813" y="6007100"/>
+            <a:ext cx="466725" cy="457200"/>
+          </a:xfrm>
+          <a:prstGeom prst="rect">
+            <a:avLst/>
+          </a:prstGeom>
+          <a:noFill/>
+        </p:spPr>
+      </p:pic>
+      <p:pic>
+        <p:nvPicPr>
+          <p:cNvPr id="24711" name="Picture 135" descr="n_2"/>
+          <p:cNvPicPr>
+            <a:picLocks noChangeAspect="1" noChangeArrowheads="1"/>
+          </p:cNvPicPr>
+          <p:nvPr/>
+        </p:nvPicPr>
+        <p:blipFill>
+          <a:blip r:embed="rId11"/>
+          <a:srcRect/>
+          <a:stretch>
+            <a:fillRect/>
+          </a:stretch>
+        </p:blipFill>
+        <p:spPr bwMode="auto">
+          <a:xfrm>
+            <a:off x="8669338" y="6011863"/>
+            <a:ext cx="466725" cy="457200"/>
           </a:xfrm>
           <a:prstGeom prst="rect">
             <a:avLst/>
@@ -3805,7 +5162,7 @@
       </p:grpSpPr>
       <p:sp>
         <p:nvSpPr>
-          <p:cNvPr id="37890" name="Rectangle 2"/>
+          <p:cNvPr id="25601" name="Rectangle 2"/>
           <p:cNvSpPr>
             <a:spLocks noGrp="1"/>
           </p:cNvSpPr>
@@ -3818,6 +5175,7 @@
           <a:bodyPr/>
           <a:lstStyle/>
           <a:p>
+            <a:pPr eaLnBrk="1" hangingPunct="1"/>
             <a:r>
               <a:rPr lang="ru-RU" smtClean="0"/>
               <a:t>Результаты расчетов</a:t>
@@ -3827,7 +5185,7 @@
       </p:sp>
       <p:sp>
         <p:nvSpPr>
-          <p:cNvPr id="37891" name="Rectangle 3"/>
+          <p:cNvPr id="25602" name="Rectangle 3"/>
           <p:cNvSpPr>
             <a:spLocks noGrp="1"/>
           </p:cNvSpPr>
@@ -3840,9 +5198,10 @@
           <a:bodyPr/>
           <a:lstStyle/>
           <a:p>
+            <a:pPr eaLnBrk="1" hangingPunct="1"/>
             <a:r>
               <a:rPr lang="en-US" smtClean="0"/>
-              <a:t>Java + Cplex (</a:t>
+              <a:t>Java + IMB ILOG CPLEX (</a:t>
             </a:r>
             <a:r>
               <a:rPr lang="ru-RU" smtClean="0"/>
@@ -3858,7 +5217,7 @@
       </p:sp>
       <p:pic>
         <p:nvPicPr>
-          <p:cNvPr id="37892" name="Picture 4" descr="calc"/>
+          <p:cNvPr id="25606" name="Picture 6" descr="calc"/>
           <p:cNvPicPr>
             <a:picLocks noChangeAspect="1" noChangeArrowheads="1"/>
           </p:cNvPicPr>
@@ -3873,8 +5232,8 @@
         </p:blipFill>
         <p:spPr bwMode="auto">
           <a:xfrm>
-            <a:off x="1423988" y="3209925"/>
-            <a:ext cx="9342437" cy="1657350"/>
+            <a:off x="423863" y="3136900"/>
+            <a:ext cx="11342687" cy="1905000"/>
           </a:xfrm>
           <a:prstGeom prst="rect">
             <a:avLst/>
@@ -3909,7 +5268,97 @@
       </p:grpSpPr>
       <p:sp>
         <p:nvSpPr>
-          <p:cNvPr id="27649" name="Заголовок 1"/>
+          <p:cNvPr id="27650" name="Rectangle 2"/>
+          <p:cNvSpPr>
+            <a:spLocks noGrp="1"/>
+          </p:cNvSpPr>
+          <p:nvPr>
+            <p:ph type="title"/>
+          </p:nvPr>
+        </p:nvSpPr>
+        <p:spPr/>
+        <p:txBody>
+          <a:bodyPr/>
+          <a:lstStyle/>
+          <a:p>
+            <a:r>
+              <a:rPr lang="ru-RU" smtClean="0"/>
+              <a:t>Заключение</a:t>
+            </a:r>
+          </a:p>
+        </p:txBody>
+      </p:sp>
+      <p:sp>
+        <p:nvSpPr>
+          <p:cNvPr id="27651" name="Rectangle 3"/>
+          <p:cNvSpPr>
+            <a:spLocks noGrp="1"/>
+          </p:cNvSpPr>
+          <p:nvPr>
+            <p:ph type="body" idx="1"/>
+          </p:nvPr>
+        </p:nvSpPr>
+        <p:spPr/>
+        <p:txBody>
+          <a:bodyPr/>
+          <a:lstStyle/>
+          <a:p>
+            <a:r>
+              <a:rPr lang="ru-RU" smtClean="0"/>
+              <a:t>Разработана математическая модель задачи построения сбалансированного графика</a:t>
+            </a:r>
+          </a:p>
+          <a:p>
+            <a:r>
+              <a:rPr lang="ru-RU" smtClean="0"/>
+              <a:t>Корректная формализация в виде задачи математического программирования</a:t>
+            </a:r>
+          </a:p>
+          <a:p>
+            <a:r>
+              <a:rPr lang="ru-RU" smtClean="0"/>
+              <a:t>Программная реализация</a:t>
+            </a:r>
+          </a:p>
+          <a:p>
+            <a:r>
+              <a:rPr lang="ru-RU" smtClean="0"/>
+              <a:t>Практически ценный результат</a:t>
+            </a:r>
+          </a:p>
+          <a:p>
+            <a:endParaRPr lang="ru-RU" smtClean="0"/>
+          </a:p>
+        </p:txBody>
+      </p:sp>
+    </p:spTree>
+  </p:cSld>
+  <p:clrMapOvr>
+    <a:masterClrMapping/>
+  </p:clrMapOvr>
+</p:sld>
+</file>
+
+<file path=ppt/slides/slide15.xml><?xml version="1.0" encoding="utf-8"?>
+<p:sld xmlns:a="http://schemas.openxmlformats.org/drawingml/2006/main" xmlns:r="http://schemas.openxmlformats.org/officeDocument/2006/relationships" xmlns:p="http://schemas.openxmlformats.org/presentationml/2006/main">
+  <p:cSld>
+    <p:spTree>
+      <p:nvGrpSpPr>
+        <p:cNvPr id="1" name=""/>
+        <p:cNvGrpSpPr/>
+        <p:nvPr/>
+      </p:nvGrpSpPr>
+      <p:grpSpPr>
+        <a:xfrm>
+          <a:off x="0" y="0"/>
+          <a:ext cx="0" cy="0"/>
+          <a:chOff x="0" y="0"/>
+          <a:chExt cx="0" cy="0"/>
+        </a:xfrm>
+      </p:grpSpPr>
+      <p:sp>
+        <p:nvSpPr>
+          <p:cNvPr id="26625" name="Заголовок 1"/>
           <p:cNvSpPr>
             <a:spLocks noGrp="1"/>
           </p:cNvSpPr>
@@ -3927,7 +5376,7 @@
           <a:bodyPr/>
           <a:lstStyle/>
           <a:p>
-            <a:pPr algn="ctr"/>
+            <a:pPr algn="ctr" eaLnBrk="1" hangingPunct="1"/>
             <a:r>
               <a:rPr lang="ru-RU" smtClean="0"/>
               <a:t>Спасибо за внимание!</a:t>
@@ -3982,6 +5431,7 @@
           <a:bodyPr/>
           <a:lstStyle/>
           <a:p>
+            <a:pPr eaLnBrk="1" hangingPunct="1"/>
             <a:r>
               <a:rPr lang="ru-RU" smtClean="0"/>
               <a:t>Цели и задачи</a:t>
@@ -4004,18 +5454,21 @@
           <a:bodyPr/>
           <a:lstStyle/>
           <a:p>
+            <a:pPr eaLnBrk="1" hangingPunct="1"/>
             <a:r>
               <a:rPr lang="ru-RU" smtClean="0"/>
               <a:t>Разработка подхода к решению практической задачи</a:t>
             </a:r>
           </a:p>
           <a:p>
+            <a:pPr eaLnBrk="1" hangingPunct="1"/>
             <a:r>
               <a:rPr lang="ru-RU" smtClean="0"/>
               <a:t>Реализация и эксперименты</a:t>
             </a:r>
           </a:p>
           <a:p>
+            <a:pPr eaLnBrk="1" hangingPunct="1"/>
             <a:r>
               <a:rPr lang="ru-RU" smtClean="0"/>
               <a:t>Результаты</a:t>
@@ -4070,6 +5523,7 @@
           <a:bodyPr/>
           <a:lstStyle/>
           <a:p>
+            <a:pPr eaLnBrk="1" hangingPunct="1"/>
             <a:r>
               <a:rPr lang="ru-RU" smtClean="0"/>
               <a:t>Практическая задача</a:t>
@@ -4079,7 +5533,7 @@
       </p:sp>
       <p:sp>
         <p:nvSpPr>
-          <p:cNvPr id="15368" name="Rectangle 8"/>
+          <p:cNvPr id="15362" name="Rectangle 8"/>
           <p:cNvSpPr>
             <a:spLocks noGrp="1"/>
           </p:cNvSpPr>
@@ -4097,106 +5551,79 @@
           <a:bodyPr/>
           <a:lstStyle/>
           <a:p>
-            <a:pPr>
-              <a:lnSpc>
-                <a:spcPct val="80000"/>
-              </a:lnSpc>
-            </a:pPr>
-            <a:r>
-              <a:rPr lang="ru-RU" smtClean="0"/>
-              <a:t>Из всего множества партий выбрать подмножество с весом </a:t>
+            <a:pPr eaLnBrk="1" hangingPunct="1"/>
+            <a:r>
+              <a:rPr lang="ru-RU" sz="2400" smtClean="0"/>
+              <a:t>Из всего множества партий выбрать подмножество с суммарной длинной </a:t>
             </a:r>
             <a:br>
-              <a:rPr lang="ru-RU" smtClean="0"/>
+              <a:rPr lang="ru-RU" sz="2400" smtClean="0"/>
             </a:br>
             <a:r>
-              <a:rPr lang="ru-RU" smtClean="0"/>
+              <a:rPr lang="ru-RU" sz="2400" smtClean="0"/>
               <a:t>в заданном диапазоне</a:t>
             </a:r>
             <a:br>
-              <a:rPr lang="ru-RU" smtClean="0"/>
+              <a:rPr lang="ru-RU" sz="2400" smtClean="0"/>
             </a:br>
-            <a:endParaRPr lang="ru-RU" smtClean="0"/>
-          </a:p>
-          <a:p>
-            <a:pPr>
-              <a:lnSpc>
-                <a:spcPct val="80000"/>
-              </a:lnSpc>
-            </a:pPr>
-            <a:r>
-              <a:rPr lang="ru-RU" smtClean="0"/>
+            <a:endParaRPr lang="ru-RU" sz="2400" smtClean="0"/>
+          </a:p>
+          <a:p>
+            <a:pPr eaLnBrk="1" hangingPunct="1"/>
+            <a:r>
+              <a:rPr lang="ru-RU" sz="2400" smtClean="0"/>
               <a:t>Выстроить выбранные партии в соответствии с основными технологическими  ограничениями:</a:t>
             </a:r>
             <a:br>
-              <a:rPr lang="ru-RU" smtClean="0"/>
+              <a:rPr lang="ru-RU" sz="2400" smtClean="0"/>
             </a:br>
             <a:r>
-              <a:rPr lang="ru-RU" smtClean="0"/>
+              <a:rPr lang="ru-RU" sz="2400" smtClean="0"/>
               <a:t/>
             </a:r>
             <a:br>
-              <a:rPr lang="ru-RU" smtClean="0"/>
+              <a:rPr lang="ru-RU" sz="2400" smtClean="0"/>
             </a:br>
             <a:r>
-              <a:rPr lang="ru-RU" smtClean="0"/>
+              <a:rPr lang="ru-RU" sz="2400" smtClean="0"/>
               <a:t>	-плавный переход по толщине</a:t>
             </a:r>
           </a:p>
           <a:p>
-            <a:pPr>
-              <a:lnSpc>
-                <a:spcPct val="80000"/>
-              </a:lnSpc>
+            <a:pPr eaLnBrk="1" hangingPunct="1">
               <a:buFont typeface="Arial" charset="0"/>
               <a:buNone/>
             </a:pPr>
             <a:r>
-              <a:rPr lang="ru-RU" smtClean="0"/>
+              <a:rPr lang="ru-RU" sz="2400" smtClean="0"/>
               <a:t>		-постепенное сужение в пределах 250 мм</a:t>
             </a:r>
           </a:p>
           <a:p>
-            <a:pPr>
-              <a:lnSpc>
-                <a:spcPct val="80000"/>
-              </a:lnSpc>
-            </a:pPr>
-            <a:endParaRPr lang="ru-RU" smtClean="0"/>
-          </a:p>
-          <a:p>
-            <a:pPr>
-              <a:lnSpc>
-                <a:spcPct val="80000"/>
-              </a:lnSpc>
-            </a:pPr>
-            <a:r>
-              <a:rPr lang="ru-RU" smtClean="0"/>
-              <a:t>Соблюсти распределение весов по видам продукции </a:t>
+            <a:pPr eaLnBrk="1" hangingPunct="1"/>
+            <a:endParaRPr lang="ru-RU" sz="2400" smtClean="0"/>
+          </a:p>
+          <a:p>
+            <a:pPr eaLnBrk="1" hangingPunct="1"/>
+            <a:r>
+              <a:rPr lang="ru-RU" sz="2400" smtClean="0"/>
+              <a:t>Соблюсти распределение суммарных длин по видам продукции </a:t>
             </a:r>
             <a:br>
-              <a:rPr lang="ru-RU" smtClean="0"/>
+              <a:rPr lang="ru-RU" sz="2400" smtClean="0"/>
             </a:br>
             <a:r>
-              <a:rPr lang="ru-RU" smtClean="0"/>
+              <a:rPr lang="ru-RU" sz="2400" smtClean="0"/>
               <a:t>в заданном диапазоне</a:t>
             </a:r>
           </a:p>
           <a:p>
-            <a:pPr>
-              <a:lnSpc>
-                <a:spcPct val="80000"/>
-              </a:lnSpc>
-            </a:pPr>
-            <a:endParaRPr lang="ru-RU" smtClean="0"/>
-          </a:p>
-          <a:p>
-            <a:pPr>
-              <a:lnSpc>
-                <a:spcPct val="80000"/>
-              </a:lnSpc>
-            </a:pPr>
-            <a:endParaRPr lang="ru-RU" smtClean="0"/>
+            <a:pPr eaLnBrk="1" hangingPunct="1"/>
+            <a:endParaRPr lang="ru-RU" sz="2400" smtClean="0"/>
+          </a:p>
+          <a:p>
+            <a:pPr eaLnBrk="1" hangingPunct="1"/>
+            <a:endParaRPr lang="ru-RU" sz="2400" smtClean="0"/>
           </a:p>
         </p:txBody>
       </p:sp>
@@ -4247,6 +5674,7 @@
           <a:bodyPr/>
           <a:lstStyle/>
           <a:p>
+            <a:pPr eaLnBrk="1" hangingPunct="1"/>
             <a:r>
               <a:rPr lang="ru-RU" smtClean="0"/>
               <a:t>Граф предшествования партий</a:t>
@@ -4256,7 +5684,7 @@
       </p:sp>
       <p:pic>
         <p:nvPicPr>
-          <p:cNvPr id="16388" name="Picture 4" descr="colored_graph"/>
+          <p:cNvPr id="16386" name="Picture 4" descr="colored_graph"/>
           <p:cNvPicPr>
             <a:picLocks noChangeAspect="1" noChangeArrowheads="1"/>
           </p:cNvPicPr>
@@ -4278,11 +5706,17 @@
             <a:avLst/>
           </a:prstGeom>
           <a:noFill/>
+          <a:ln w="9525">
+            <a:noFill/>
+            <a:miter lim="800000"/>
+            <a:headEnd/>
+            <a:tailEnd/>
+          </a:ln>
         </p:spPr>
       </p:pic>
       <p:pic>
         <p:nvPicPr>
-          <p:cNvPr id="16390" name="Picture 6" descr="g"/>
+          <p:cNvPr id="16387" name="Picture 6" descr="g"/>
           <p:cNvPicPr>
             <a:picLocks noChangeAspect="1" noChangeArrowheads="1"/>
           </p:cNvPicPr>
@@ -4304,11 +5738,17 @@
             <a:avLst/>
           </a:prstGeom>
           <a:noFill/>
+          <a:ln w="9525">
+            <a:noFill/>
+            <a:miter lim="800000"/>
+            <a:headEnd/>
+            <a:tailEnd/>
+          </a:ln>
         </p:spPr>
       </p:pic>
       <p:pic>
         <p:nvPicPr>
-          <p:cNvPr id="16391" name="Picture 7" descr="b_g"/>
+          <p:cNvPr id="16388" name="Picture 7" descr="b_g"/>
           <p:cNvPicPr>
             <a:picLocks noChangeAspect="1" noChangeArrowheads="1"/>
           </p:cNvPicPr>
@@ -4330,11 +5770,17 @@
             <a:avLst/>
           </a:prstGeom>
           <a:noFill/>
+          <a:ln w="9525">
+            <a:noFill/>
+            <a:miter lim="800000"/>
+            <a:headEnd/>
+            <a:tailEnd/>
+          </a:ln>
         </p:spPr>
       </p:pic>
       <p:sp>
         <p:nvSpPr>
-          <p:cNvPr id="16392" name="Text Box 8"/>
+          <p:cNvPr id="16389" name="Text Box 8"/>
           <p:cNvSpPr txBox="1">
             <a:spLocks noChangeArrowheads="1"/>
           </p:cNvSpPr>
@@ -4355,7 +5801,6 @@
             <a:headEnd/>
             <a:tailEnd/>
           </a:ln>
-          <a:effectLst/>
         </p:spPr>
         <p:txBody>
           <a:bodyPr>
@@ -4411,7 +5856,7 @@
       </p:grpSpPr>
       <p:sp>
         <p:nvSpPr>
-          <p:cNvPr id="31746" name="Rectangle 2"/>
+          <p:cNvPr id="17409" name="Rectangle 2"/>
           <p:cNvSpPr>
             <a:spLocks noGrp="1"/>
           </p:cNvSpPr>
@@ -4424,6 +5869,7 @@
           <a:bodyPr/>
           <a:lstStyle/>
           <a:p>
+            <a:pPr eaLnBrk="1" hangingPunct="1"/>
             <a:r>
               <a:rPr lang="ru-RU" smtClean="0"/>
               <a:t>Формализация</a:t>
@@ -4433,7 +5879,7 @@
       </p:sp>
       <p:sp>
         <p:nvSpPr>
-          <p:cNvPr id="31747" name="Rectangle 3"/>
+          <p:cNvPr id="17410" name="Rectangle 3"/>
           <p:cNvSpPr>
             <a:spLocks noGrp="1"/>
           </p:cNvSpPr>
@@ -4446,6 +5892,7 @@
           <a:bodyPr/>
           <a:lstStyle/>
           <a:p>
+            <a:pPr eaLnBrk="1" hangingPunct="1"/>
             <a:r>
               <a:rPr lang="ru-RU" smtClean="0"/>
               <a:t>Множество видов продукции</a:t>
@@ -4469,11 +5916,11 @@
             </a:br>
             <a:r>
               <a:rPr lang="ru-RU" smtClean="0"/>
-              <a:t>Найти в             простую цепь </a:t>
+              <a:t>Найти в             простую цепь  </a:t>
             </a:r>
             <a:r>
               <a:rPr lang="en-US" smtClean="0"/>
-              <a:t>      </a:t>
+              <a:t>    </a:t>
             </a:r>
             <a:r>
               <a:rPr lang="ru-RU" smtClean="0"/>
@@ -4484,7 +5931,7 @@
       </p:sp>
       <p:pic>
         <p:nvPicPr>
-          <p:cNvPr id="31748" name="Picture 4" descr="flows"/>
+          <p:cNvPr id="17411" name="Picture 4" descr="flows"/>
           <p:cNvPicPr>
             <a:picLocks noChangeAspect="1" noChangeArrowheads="1"/>
           </p:cNvPicPr>
@@ -4506,11 +5953,17 @@
             <a:avLst/>
           </a:prstGeom>
           <a:noFill/>
+          <a:ln w="9525">
+            <a:noFill/>
+            <a:miter lim="800000"/>
+            <a:headEnd/>
+            <a:tailEnd/>
+          </a:ln>
         </p:spPr>
       </p:pic>
       <p:pic>
         <p:nvPicPr>
-          <p:cNvPr id="31749" name="Picture 5" descr="total_weight"/>
+          <p:cNvPr id="17412" name="Picture 5" descr="total_weight"/>
           <p:cNvPicPr>
             <a:picLocks noChangeAspect="1" noChangeArrowheads="1"/>
           </p:cNvPicPr>
@@ -4532,11 +5985,17 @@
             <a:avLst/>
           </a:prstGeom>
           <a:noFill/>
+          <a:ln w="9525">
+            <a:noFill/>
+            <a:miter lim="800000"/>
+            <a:headEnd/>
+            <a:tailEnd/>
+          </a:ln>
         </p:spPr>
       </p:pic>
       <p:pic>
         <p:nvPicPr>
-          <p:cNvPr id="31750" name="Picture 6" descr="flow_weight"/>
+          <p:cNvPr id="17413" name="Picture 6" descr="flow_weight"/>
           <p:cNvPicPr>
             <a:picLocks noChangeAspect="1" noChangeArrowheads="1"/>
           </p:cNvPicPr>
@@ -4558,11 +6017,17 @@
             <a:avLst/>
           </a:prstGeom>
           <a:noFill/>
+          <a:ln w="9525">
+            <a:noFill/>
+            <a:miter lim="800000"/>
+            <a:headEnd/>
+            <a:tailEnd/>
+          </a:ln>
         </p:spPr>
       </p:pic>
       <p:pic>
         <p:nvPicPr>
-          <p:cNvPr id="31751" name="Picture 7" descr="b_g"/>
+          <p:cNvPr id="17414" name="Picture 7" descr="b_g"/>
           <p:cNvPicPr>
             <a:picLocks noChangeAspect="1" noChangeArrowheads="1"/>
           </p:cNvPicPr>
@@ -4584,11 +6049,17 @@
             <a:avLst/>
           </a:prstGeom>
           <a:noFill/>
+          <a:ln w="9525">
+            <a:noFill/>
+            <a:miter lim="800000"/>
+            <a:headEnd/>
+            <a:tailEnd/>
+          </a:ln>
         </p:spPr>
       </p:pic>
       <p:pic>
         <p:nvPicPr>
-          <p:cNvPr id="31752" name="Picture 8" descr="h"/>
+          <p:cNvPr id="17415" name="Picture 8" descr="h"/>
           <p:cNvPicPr>
             <a:picLocks noChangeAspect="1" noChangeArrowheads="1"/>
           </p:cNvPicPr>
@@ -4603,13 +6074,19 @@
         </p:blipFill>
         <p:spPr bwMode="auto">
           <a:xfrm>
-            <a:off x="5646738" y="3009900"/>
-            <a:ext cx="427037" cy="419100"/>
+            <a:off x="5546725" y="3009900"/>
+            <a:ext cx="427038" cy="419100"/>
           </a:xfrm>
           <a:prstGeom prst="rect">
             <a:avLst/>
           </a:prstGeom>
           <a:noFill/>
+          <a:ln w="9525">
+            <a:noFill/>
+            <a:miter lim="800000"/>
+            <a:headEnd/>
+            <a:tailEnd/>
+          </a:ln>
         </p:spPr>
       </p:pic>
     </p:spTree>
@@ -4646,7 +6123,7 @@
       </p:grpSpPr>
       <p:sp>
         <p:nvSpPr>
-          <p:cNvPr id="29698" name="Rectangle 2"/>
+          <p:cNvPr id="18433" name="Rectangle 2"/>
           <p:cNvSpPr>
             <a:spLocks noGrp="1"/>
           </p:cNvSpPr>
@@ -4659,6 +6136,7 @@
           <a:bodyPr/>
           <a:lstStyle/>
           <a:p>
+            <a:pPr eaLnBrk="1" hangingPunct="1"/>
             <a:r>
               <a:rPr lang="ru-RU" smtClean="0"/>
               <a:t>Основная идея</a:t>
@@ -4668,7 +6146,7 @@
       </p:sp>
       <p:pic>
         <p:nvPicPr>
-          <p:cNvPr id="29700" name="Picture 4" descr="first_model"/>
+          <p:cNvPr id="18434" name="Picture 4" descr="first_model"/>
           <p:cNvPicPr>
             <a:picLocks noChangeAspect="1" noChangeArrowheads="1"/>
           </p:cNvPicPr>
@@ -4690,6 +6168,12 @@
             <a:avLst/>
           </a:prstGeom>
           <a:noFill/>
+          <a:ln w="9525">
+            <a:noFill/>
+            <a:miter lim="800000"/>
+            <a:headEnd/>
+            <a:tailEnd/>
+          </a:ln>
         </p:spPr>
       </p:pic>
     </p:spTree>
@@ -4726,7 +6210,7 @@
       </p:grpSpPr>
       <p:sp>
         <p:nvSpPr>
-          <p:cNvPr id="30722" name="Rectangle 2"/>
+          <p:cNvPr id="19457" name="Rectangle 2"/>
           <p:cNvSpPr>
             <a:spLocks noGrp="1"/>
           </p:cNvSpPr>
@@ -4734,61 +6218,62 @@
             <p:ph type="title"/>
           </p:nvPr>
         </p:nvSpPr>
+        <p:spPr>
+          <a:xfrm>
+            <a:off x="852488" y="365125"/>
+            <a:ext cx="10515600" cy="1325563"/>
+          </a:xfrm>
+        </p:spPr>
+        <p:txBody>
+          <a:bodyPr/>
+          <a:lstStyle/>
+          <a:p>
+            <a:pPr eaLnBrk="1" hangingPunct="1"/>
+            <a:r>
+              <a:rPr lang="ru-RU" smtClean="0"/>
+              <a:t>Формализация</a:t>
+            </a:r>
+          </a:p>
+        </p:txBody>
+      </p:sp>
+      <p:sp>
+        <p:nvSpPr>
+          <p:cNvPr id="19458" name="Rectangle 3"/>
+          <p:cNvSpPr>
+            <a:spLocks noGrp="1"/>
+          </p:cNvSpPr>
+          <p:nvPr>
+            <p:ph type="body" idx="1"/>
+          </p:nvPr>
+        </p:nvSpPr>
         <p:spPr/>
         <p:txBody>
           <a:bodyPr/>
           <a:lstStyle/>
           <a:p>
-            <a:r>
-              <a:rPr lang="ru-RU" smtClean="0"/>
-              <a:t>Формализация</a:t>
-            </a:r>
-          </a:p>
-        </p:txBody>
-      </p:sp>
-      <p:sp>
-        <p:nvSpPr>
-          <p:cNvPr id="30723" name="Rectangle 3"/>
-          <p:cNvSpPr>
-            <a:spLocks noGrp="1"/>
-          </p:cNvSpPr>
-          <p:nvPr>
-            <p:ph type="body" idx="1"/>
-          </p:nvPr>
-        </p:nvSpPr>
-        <p:spPr/>
-        <p:txBody>
-          <a:bodyPr/>
-          <a:lstStyle/>
-          <a:p>
-            <a:r>
-              <a:rPr lang="ru-RU" smtClean="0"/>
-              <a:t>Пусть                                       — набор подграфов</a:t>
-            </a:r>
-          </a:p>
-          <a:p>
-            <a:r>
-              <a:rPr lang="ru-RU" smtClean="0"/>
-              <a:t>Пронумеруем          — </a:t>
+            <a:pPr eaLnBrk="1" hangingPunct="1"/>
+            <a:r>
+              <a:rPr lang="ru-RU" smtClean="0"/>
+              <a:t>Пусть                                       — последовательность подграфов</a:t>
+            </a:r>
+          </a:p>
+          <a:p>
+            <a:pPr eaLnBrk="1" hangingPunct="1"/>
+            <a:r>
+              <a:rPr lang="ru-RU" smtClean="0"/>
+              <a:t>Пронумеруем          —  </a:t>
             </a:r>
             <a:r>
               <a:rPr lang="en-US" smtClean="0"/>
-              <a:t>j </a:t>
-            </a:r>
-            <a:r>
-              <a:rPr lang="ru-RU" smtClean="0"/>
-              <a:t>вершина в </a:t>
-            </a:r>
-            <a:r>
-              <a:rPr lang="en-US" smtClean="0"/>
-              <a:t>i</a:t>
-            </a:r>
-            <a:r>
-              <a:rPr lang="ru-RU" smtClean="0"/>
-              <a:t> подграфе </a:t>
-            </a:r>
-          </a:p>
-          <a:p>
+              <a:t> </a:t>
+            </a:r>
+            <a:r>
+              <a:rPr lang="ru-RU" smtClean="0"/>
+              <a:t> вершина в    подграфе </a:t>
+            </a:r>
+          </a:p>
+          <a:p>
+            <a:pPr eaLnBrk="1" hangingPunct="1"/>
             <a:r>
               <a:rPr lang="ru-RU" smtClean="0"/>
               <a:t>Введем для каждой вершины переменную:</a:t>
@@ -4798,7 +6283,7 @@
       </p:sp>
       <p:pic>
         <p:nvPicPr>
-          <p:cNvPr id="30724" name="Picture 4" descr="g_w_i"/>
+          <p:cNvPr id="19459" name="Picture 4" descr="g_w_i"/>
           <p:cNvPicPr>
             <a:picLocks noChangeAspect="1" noChangeArrowheads="1"/>
           </p:cNvPicPr>
@@ -4820,11 +6305,17 @@
             <a:avLst/>
           </a:prstGeom>
           <a:noFill/>
+          <a:ln w="9525">
+            <a:noFill/>
+            <a:miter lim="800000"/>
+            <a:headEnd/>
+            <a:tailEnd/>
+          </a:ln>
         </p:spPr>
       </p:pic>
       <p:pic>
         <p:nvPicPr>
-          <p:cNvPr id="30725" name="Picture 5" descr="p_i_j"/>
+          <p:cNvPr id="19460" name="Picture 5" descr="p_i_j"/>
           <p:cNvPicPr>
             <a:picLocks noChangeAspect="1" noChangeArrowheads="1"/>
           </p:cNvPicPr>
@@ -4846,11 +6337,17 @@
             <a:avLst/>
           </a:prstGeom>
           <a:noFill/>
+          <a:ln w="9525">
+            <a:noFill/>
+            <a:miter lim="800000"/>
+            <a:headEnd/>
+            <a:tailEnd/>
+          </a:ln>
         </p:spPr>
       </p:pic>
       <p:pic>
         <p:nvPicPr>
-          <p:cNvPr id="30726" name="Picture 6" descr="b_i_j_full"/>
+          <p:cNvPr id="19461" name="Picture 6" descr="b_i_j_full"/>
           <p:cNvPicPr>
             <a:picLocks noChangeAspect="1" noChangeArrowheads="1"/>
           </p:cNvPicPr>
@@ -4867,6 +6364,64 @@
           <a:xfrm>
             <a:off x="1233488" y="3627438"/>
             <a:ext cx="9723437" cy="1685925"/>
+          </a:xfrm>
+          <a:prstGeom prst="rect">
+            <a:avLst/>
+          </a:prstGeom>
+          <a:noFill/>
+          <a:ln w="9525">
+            <a:noFill/>
+            <a:miter lim="800000"/>
+            <a:headEnd/>
+            <a:tailEnd/>
+          </a:ln>
+        </p:spPr>
+      </p:pic>
+      <p:pic>
+        <p:nvPicPr>
+          <p:cNvPr id="19463" name="Picture 7" descr="j"/>
+          <p:cNvPicPr>
+            <a:picLocks noChangeAspect="1" noChangeArrowheads="1"/>
+          </p:cNvPicPr>
+          <p:nvPr/>
+        </p:nvPicPr>
+        <p:blipFill>
+          <a:blip r:embed="rId5"/>
+          <a:srcRect/>
+          <a:stretch>
+            <a:fillRect/>
+          </a:stretch>
+        </p:blipFill>
+        <p:spPr bwMode="auto">
+          <a:xfrm>
+            <a:off x="4386263" y="2390775"/>
+            <a:ext cx="266700" cy="457200"/>
+          </a:xfrm>
+          <a:prstGeom prst="rect">
+            <a:avLst/>
+          </a:prstGeom>
+          <a:noFill/>
+        </p:spPr>
+      </p:pic>
+      <p:pic>
+        <p:nvPicPr>
+          <p:cNvPr id="19464" name="Picture 8" descr="i"/>
+          <p:cNvPicPr>
+            <a:picLocks noChangeAspect="1" noChangeArrowheads="1"/>
+          </p:cNvPicPr>
+          <p:nvPr/>
+        </p:nvPicPr>
+        <p:blipFill>
+          <a:blip r:embed="rId6"/>
+          <a:srcRect/>
+          <a:stretch>
+            <a:fillRect/>
+          </a:stretch>
+        </p:blipFill>
+        <p:spPr bwMode="auto">
+          <a:xfrm>
+            <a:off x="6362700" y="2351088"/>
+            <a:ext cx="228600" cy="428625"/>
           </a:xfrm>
           <a:prstGeom prst="rect">
             <a:avLst/>
@@ -4908,7 +6463,7 @@
       </p:grpSpPr>
       <p:sp>
         <p:nvSpPr>
-          <p:cNvPr id="32770" name="Rectangle 2"/>
+          <p:cNvPr id="20481" name="Rectangle 2"/>
           <p:cNvSpPr>
             <a:spLocks noGrp="1"/>
           </p:cNvSpPr>
@@ -4921,6 +6476,7 @@
           <a:bodyPr/>
           <a:lstStyle/>
           <a:p>
+            <a:pPr eaLnBrk="1" hangingPunct="1"/>
             <a:r>
               <a:rPr lang="ru-RU" smtClean="0"/>
               <a:t>Формализация</a:t>
@@ -4930,7 +6486,7 @@
       </p:sp>
       <p:sp>
         <p:nvSpPr>
-          <p:cNvPr id="32771" name="Rectangle 3"/>
+          <p:cNvPr id="20482" name="Rectangle 3"/>
           <p:cNvSpPr>
             <a:spLocks noGrp="1"/>
           </p:cNvSpPr>
@@ -4948,24 +6504,30 @@
           <a:bodyPr/>
           <a:lstStyle/>
           <a:p>
+            <a:pPr eaLnBrk="1" hangingPunct="1"/>
             <a:r>
               <a:rPr lang="ru-RU" smtClean="0"/>
               <a:t>Ограничение на суммарный вес цепи</a:t>
             </a:r>
           </a:p>
           <a:p>
+            <a:pPr eaLnBrk="1" hangingPunct="1"/>
             <a:endParaRPr lang="ru-RU" smtClean="0"/>
           </a:p>
           <a:p>
+            <a:pPr eaLnBrk="1" hangingPunct="1"/>
             <a:endParaRPr lang="ru-RU" smtClean="0"/>
           </a:p>
           <a:p>
+            <a:pPr eaLnBrk="1" hangingPunct="1"/>
             <a:endParaRPr lang="ru-RU" smtClean="0"/>
           </a:p>
           <a:p>
+            <a:pPr eaLnBrk="1" hangingPunct="1"/>
             <a:endParaRPr lang="ru-RU" smtClean="0"/>
           </a:p>
           <a:p>
+            <a:pPr eaLnBrk="1" hangingPunct="1"/>
             <a:r>
               <a:rPr lang="ru-RU" smtClean="0"/>
               <a:t>Ограничение на суммарный вес по каждому виду продукции</a:t>
@@ -4975,7 +6537,7 @@
       </p:sp>
       <p:pic>
         <p:nvPicPr>
-          <p:cNvPr id="32773" name="Picture 5" descr="total_weight_constr"/>
+          <p:cNvPr id="20483" name="Picture 5" descr="total_weight_constr"/>
           <p:cNvPicPr>
             <a:picLocks noChangeAspect="1" noChangeArrowheads="1"/>
           </p:cNvPicPr>
@@ -4997,11 +6559,17 @@
             <a:avLst/>
           </a:prstGeom>
           <a:noFill/>
+          <a:ln w="9525">
+            <a:noFill/>
+            <a:miter lim="800000"/>
+            <a:headEnd/>
+            <a:tailEnd/>
+          </a:ln>
         </p:spPr>
       </p:pic>
       <p:pic>
         <p:nvPicPr>
-          <p:cNvPr id="32774" name="Picture 6" descr="flow_weight_constr"/>
+          <p:cNvPr id="20484" name="Picture 6" descr="flow_weight_constr"/>
           <p:cNvPicPr>
             <a:picLocks noChangeAspect="1" noChangeArrowheads="1"/>
           </p:cNvPicPr>
@@ -5023,6 +6591,12 @@
             <a:avLst/>
           </a:prstGeom>
           <a:noFill/>
+          <a:ln w="9525">
+            <a:noFill/>
+            <a:miter lim="800000"/>
+            <a:headEnd/>
+            <a:tailEnd/>
+          </a:ln>
         </p:spPr>
       </p:pic>
     </p:spTree>
@@ -5059,7 +6633,7 @@
       </p:grpSpPr>
       <p:pic>
         <p:nvPicPr>
-          <p:cNvPr id="33796" name="Picture 4" descr="one_width"/>
+          <p:cNvPr id="21505" name="Picture 4" descr="one_width"/>
           <p:cNvPicPr>
             <a:picLocks noChangeAspect="1" noChangeArrowheads="1"/>
           </p:cNvPicPr>
@@ -5081,11 +6655,17 @@
             <a:avLst/>
           </a:prstGeom>
           <a:noFill/>
+          <a:ln w="9525">
+            <a:noFill/>
+            <a:miter lim="800000"/>
+            <a:headEnd/>
+            <a:tailEnd/>
+          </a:ln>
         </p:spPr>
       </p:pic>
       <p:sp>
         <p:nvSpPr>
-          <p:cNvPr id="33794" name="Rectangle 2"/>
+          <p:cNvPr id="21506" name="Rectangle 2"/>
           <p:cNvSpPr>
             <a:spLocks noGrp="1"/>
           </p:cNvSpPr>
@@ -5098,6 +6678,7 @@
           <a:bodyPr/>
           <a:lstStyle/>
           <a:p>
+            <a:pPr eaLnBrk="1" hangingPunct="1"/>
             <a:r>
               <a:rPr lang="ru-RU" smtClean="0"/>
               <a:t>Связность цепи в отдельном подграфе</a:t>

--- a/дипломы/Антон/магистр/presentation/berezin_diplom.pptx
+++ b/дипломы/Антон/магистр/presentation/berezin_diplom.pptx
@@ -287,12 +287,12 @@
             <a:pPr>
               <a:defRPr/>
             </a:pPr>
-            <a:fld id="{5BBE7939-6273-4561-A647-446FEE729209}" type="datetimeFigureOut">
+            <a:fld id="{FD00505F-BFB8-415C-9D06-387AE17794D8}" type="datetimeFigureOut">
               <a:rPr lang="ru-RU"/>
               <a:pPr>
                 <a:defRPr/>
               </a:pPr>
-              <a:t>09.06.2016</a:t>
+              <a:t>10.06.2016</a:t>
             </a:fld>
             <a:endParaRPr lang="ru-RU"/>
           </a:p>
@@ -346,7 +346,7 @@
             <a:pPr>
               <a:defRPr/>
             </a:pPr>
-            <a:fld id="{B854BC4E-AB42-42F2-B93D-956D3A18718D}" type="slidenum">
+            <a:fld id="{7F99B838-C33A-4E97-87F7-93680EE89AD4}" type="slidenum">
               <a:rPr lang="ru-RU"/>
               <a:pPr>
                 <a:defRPr/>
@@ -479,12 +479,12 @@
             <a:pPr>
               <a:defRPr/>
             </a:pPr>
-            <a:fld id="{87F61459-4544-46DC-9D10-558366EFBBC3}" type="datetimeFigureOut">
+            <a:fld id="{08A4E317-E6EE-45A0-842C-F0D6A20C0949}" type="datetimeFigureOut">
               <a:rPr lang="ru-RU"/>
               <a:pPr>
                 <a:defRPr/>
               </a:pPr>
-              <a:t>09.06.2016</a:t>
+              <a:t>10.06.2016</a:t>
             </a:fld>
             <a:endParaRPr lang="ru-RU"/>
           </a:p>
@@ -538,7 +538,7 @@
             <a:pPr>
               <a:defRPr/>
             </a:pPr>
-            <a:fld id="{10832E51-4141-4BF5-AB38-F96A27DC6C9A}" type="slidenum">
+            <a:fld id="{E915CCE0-7BDD-4C39-985A-CC68FEC41B61}" type="slidenum">
               <a:rPr lang="ru-RU"/>
               <a:pPr>
                 <a:defRPr/>
@@ -681,12 +681,12 @@
             <a:pPr>
               <a:defRPr/>
             </a:pPr>
-            <a:fld id="{078C8151-914F-4EBA-9821-F60213A4F3D5}" type="datetimeFigureOut">
+            <a:fld id="{F982E796-D2A3-4C52-9DCD-65BDA7CCFE84}" type="datetimeFigureOut">
               <a:rPr lang="ru-RU"/>
               <a:pPr>
                 <a:defRPr/>
               </a:pPr>
-              <a:t>09.06.2016</a:t>
+              <a:t>10.06.2016</a:t>
             </a:fld>
             <a:endParaRPr lang="ru-RU"/>
           </a:p>
@@ -740,7 +740,7 @@
             <a:pPr>
               <a:defRPr/>
             </a:pPr>
-            <a:fld id="{2DEE009D-1536-4F28-93BC-B5A985D41963}" type="slidenum">
+            <a:fld id="{218A4822-FF61-4BCD-9178-E0FEF6F385A4}" type="slidenum">
               <a:rPr lang="ru-RU"/>
               <a:pPr>
                 <a:defRPr/>
@@ -873,12 +873,12 @@
             <a:pPr>
               <a:defRPr/>
             </a:pPr>
-            <a:fld id="{86F22624-B187-4206-9504-72E5056F1D45}" type="datetimeFigureOut">
+            <a:fld id="{4E09CB20-8FB3-431C-80C9-3E63B960610B}" type="datetimeFigureOut">
               <a:rPr lang="ru-RU"/>
               <a:pPr>
                 <a:defRPr/>
               </a:pPr>
-              <a:t>09.06.2016</a:t>
+              <a:t>10.06.2016</a:t>
             </a:fld>
             <a:endParaRPr lang="ru-RU"/>
           </a:p>
@@ -932,7 +932,7 @@
             <a:pPr>
               <a:defRPr/>
             </a:pPr>
-            <a:fld id="{6F6A294B-04A6-42B8-80E6-E016A8DCF49C}" type="slidenum">
+            <a:fld id="{CFD49C21-1608-468C-B46A-FE74180F1013}" type="slidenum">
               <a:rPr lang="ru-RU"/>
               <a:pPr>
                 <a:defRPr/>
@@ -1141,12 +1141,12 @@
             <a:pPr>
               <a:defRPr/>
             </a:pPr>
-            <a:fld id="{8613DA9D-9F7E-4B40-8192-19AB89976C90}" type="datetimeFigureOut">
+            <a:fld id="{EBAD62BF-035C-4A1E-ADEC-DB03FE0C770E}" type="datetimeFigureOut">
               <a:rPr lang="ru-RU"/>
               <a:pPr>
                 <a:defRPr/>
               </a:pPr>
-              <a:t>09.06.2016</a:t>
+              <a:t>10.06.2016</a:t>
             </a:fld>
             <a:endParaRPr lang="ru-RU"/>
           </a:p>
@@ -1200,7 +1200,7 @@
             <a:pPr>
               <a:defRPr/>
             </a:pPr>
-            <a:fld id="{E59865C6-23D0-4721-8754-A2D27A0A334D}" type="slidenum">
+            <a:fld id="{7273F09B-67DC-4871-93FA-F37CADD28849}" type="slidenum">
               <a:rPr lang="ru-RU"/>
               <a:pPr>
                 <a:defRPr/>
@@ -1395,12 +1395,12 @@
             <a:pPr>
               <a:defRPr/>
             </a:pPr>
-            <a:fld id="{EAFDBF29-08AF-4275-906C-318E3ACA9DD8}" type="datetimeFigureOut">
+            <a:fld id="{A2A019F3-170D-4C5B-98DA-D046FF33DCC1}" type="datetimeFigureOut">
               <a:rPr lang="ru-RU"/>
               <a:pPr>
                 <a:defRPr/>
               </a:pPr>
-              <a:t>09.06.2016</a:t>
+              <a:t>10.06.2016</a:t>
             </a:fld>
             <a:endParaRPr lang="ru-RU"/>
           </a:p>
@@ -1454,7 +1454,7 @@
             <a:pPr>
               <a:defRPr/>
             </a:pPr>
-            <a:fld id="{0990706D-E332-4BFE-BC4A-1F0CCAEEF62F}" type="slidenum">
+            <a:fld id="{B6ACE3E0-CD58-4C45-A959-91ED48CCD298}" type="slidenum">
               <a:rPr lang="ru-RU"/>
               <a:pPr>
                 <a:defRPr/>
@@ -1784,12 +1784,12 @@
             <a:pPr>
               <a:defRPr/>
             </a:pPr>
-            <a:fld id="{6DA86842-423B-48E4-BD19-D292595883E6}" type="datetimeFigureOut">
+            <a:fld id="{9319794F-5A3D-412B-9BF2-01E62BD4853C}" type="datetimeFigureOut">
               <a:rPr lang="ru-RU"/>
               <a:pPr>
                 <a:defRPr/>
               </a:pPr>
-              <a:t>09.06.2016</a:t>
+              <a:t>10.06.2016</a:t>
             </a:fld>
             <a:endParaRPr lang="ru-RU"/>
           </a:p>
@@ -1843,7 +1843,7 @@
             <a:pPr>
               <a:defRPr/>
             </a:pPr>
-            <a:fld id="{6256E3DB-9E98-4498-95D1-2401640925C4}" type="slidenum">
+            <a:fld id="{10996741-0A5E-4F47-8D4E-F1F0B93B11DE}" type="slidenum">
               <a:rPr lang="ru-RU"/>
               <a:pPr>
                 <a:defRPr/>
@@ -1924,12 +1924,12 @@
             <a:pPr>
               <a:defRPr/>
             </a:pPr>
-            <a:fld id="{0A447628-DE6D-4ECD-A0B3-4C759EF2F8A2}" type="datetimeFigureOut">
+            <a:fld id="{AD69DBEB-14DD-4C6C-AC5A-32F5F4AC303F}" type="datetimeFigureOut">
               <a:rPr lang="ru-RU"/>
               <a:pPr>
                 <a:defRPr/>
               </a:pPr>
-              <a:t>09.06.2016</a:t>
+              <a:t>10.06.2016</a:t>
             </a:fld>
             <a:endParaRPr lang="ru-RU"/>
           </a:p>
@@ -1983,7 +1983,7 @@
             <a:pPr>
               <a:defRPr/>
             </a:pPr>
-            <a:fld id="{03E256AE-08C2-4416-9EAC-5F8256CE4860}" type="slidenum">
+            <a:fld id="{EC1A70D1-0D58-4D2F-825F-0C62230A3920}" type="slidenum">
               <a:rPr lang="ru-RU"/>
               <a:pPr>
                 <a:defRPr/>
@@ -2041,12 +2041,12 @@
             <a:pPr>
               <a:defRPr/>
             </a:pPr>
-            <a:fld id="{838885C2-9EC9-47C5-A450-4802803552AF}" type="datetimeFigureOut">
+            <a:fld id="{5B8F723E-79C8-4A8E-8C65-0C4FFD02C588}" type="datetimeFigureOut">
               <a:rPr lang="ru-RU"/>
               <a:pPr>
                 <a:defRPr/>
               </a:pPr>
-              <a:t>09.06.2016</a:t>
+              <a:t>10.06.2016</a:t>
             </a:fld>
             <a:endParaRPr lang="ru-RU"/>
           </a:p>
@@ -2100,7 +2100,7 @@
             <a:pPr>
               <a:defRPr/>
             </a:pPr>
-            <a:fld id="{F290AA9D-FB8E-4936-9670-7573775CE37D}" type="slidenum">
+            <a:fld id="{13EB8CB2-802C-4EC1-A166-58D78E7EA27C}" type="slidenum">
               <a:rPr lang="ru-RU"/>
               <a:pPr>
                 <a:defRPr/>
@@ -2340,12 +2340,12 @@
             <a:pPr>
               <a:defRPr/>
             </a:pPr>
-            <a:fld id="{2555E4A8-0333-41E9-ACD9-C1757935C0A9}" type="datetimeFigureOut">
+            <a:fld id="{D7B0CFF5-6750-4451-AAE1-5C4B016C432A}" type="datetimeFigureOut">
               <a:rPr lang="ru-RU"/>
               <a:pPr>
                 <a:defRPr/>
               </a:pPr>
-              <a:t>09.06.2016</a:t>
+              <a:t>10.06.2016</a:t>
             </a:fld>
             <a:endParaRPr lang="ru-RU"/>
           </a:p>
@@ -2399,7 +2399,7 @@
             <a:pPr>
               <a:defRPr/>
             </a:pPr>
-            <a:fld id="{0A688BA3-B841-4942-9B0B-34172ACE517C}" type="slidenum">
+            <a:fld id="{8B7E7849-9E1A-40FC-839E-048EBC86C9A8}" type="slidenum">
               <a:rPr lang="ru-RU"/>
               <a:pPr>
                 <a:defRPr/>
@@ -2618,12 +2618,12 @@
             <a:pPr>
               <a:defRPr/>
             </a:pPr>
-            <a:fld id="{BA4E723A-4658-426D-8C73-C21F634A9395}" type="datetimeFigureOut">
+            <a:fld id="{1FFED6BB-4764-412D-99AB-995535097B94}" type="datetimeFigureOut">
               <a:rPr lang="ru-RU"/>
               <a:pPr>
                 <a:defRPr/>
               </a:pPr>
-              <a:t>09.06.2016</a:t>
+              <a:t>10.06.2016</a:t>
             </a:fld>
             <a:endParaRPr lang="ru-RU"/>
           </a:p>
@@ -2677,7 +2677,7 @@
             <a:pPr>
               <a:defRPr/>
             </a:pPr>
-            <a:fld id="{1E7E30A6-9A3B-46C5-931E-ADE02F2224FD}" type="slidenum">
+            <a:fld id="{D8DE0D89-8F15-4D70-8DE3-E7FE4ED84037}" type="slidenum">
               <a:rPr lang="ru-RU"/>
               <a:pPr>
                 <a:defRPr/>
@@ -2874,12 +2874,12 @@
             <a:pPr>
               <a:defRPr/>
             </a:pPr>
-            <a:fld id="{3D7095ED-6F35-47F4-B84D-AF9EBA4EF10F}" type="datetimeFigureOut">
+            <a:fld id="{9DFC3D83-E532-4BFE-93B1-6468E63F7272}" type="datetimeFigureOut">
               <a:rPr lang="ru-RU"/>
               <a:pPr>
                 <a:defRPr/>
               </a:pPr>
-              <a:t>09.06.2016</a:t>
+              <a:t>10.06.2016</a:t>
             </a:fld>
             <a:endParaRPr lang="ru-RU"/>
           </a:p>
@@ -2977,7 +2977,7 @@
             <a:pPr>
               <a:defRPr/>
             </a:pPr>
-            <a:fld id="{86215FAF-FE2B-4BF6-A8AD-B77942547F63}" type="slidenum">
+            <a:fld id="{914E6925-DBE9-4979-A068-14EE58B66C23}" type="slidenum">
               <a:rPr lang="ru-RU"/>
               <a:pPr>
                 <a:defRPr/>
@@ -3777,7 +3777,7 @@
       </p:sp>
       <p:sp>
         <p:nvSpPr>
-          <p:cNvPr id="24580" name="Rectangle 4"/>
+          <p:cNvPr id="24578" name="Rectangle 4"/>
           <p:cNvSpPr>
             <a:spLocks noGrp="1"/>
           </p:cNvSpPr>
@@ -3811,7 +3811,7 @@
       </p:sp>
       <p:pic>
         <p:nvPicPr>
-          <p:cNvPr id="24581" name="Picture 5" descr="n"/>
+          <p:cNvPr id="24579" name="Picture 5" descr="n"/>
           <p:cNvPicPr>
             <a:picLocks noChangeAspect="1" noChangeArrowheads="1"/>
           </p:cNvPicPr>
@@ -3833,11 +3833,17 @@
             <a:avLst/>
           </a:prstGeom>
           <a:noFill/>
+          <a:ln w="9525">
+            <a:noFill/>
+            <a:miter lim="800000"/>
+            <a:headEnd/>
+            <a:tailEnd/>
+          </a:ln>
         </p:spPr>
       </p:pic>
       <p:pic>
         <p:nvPicPr>
-          <p:cNvPr id="24582" name="Picture 6" descr="m"/>
+          <p:cNvPr id="24580" name="Picture 6" descr="m"/>
           <p:cNvPicPr>
             <a:picLocks noChangeAspect="1" noChangeArrowheads="1"/>
           </p:cNvPicPr>
@@ -3859,11 +3865,17 @@
             <a:avLst/>
           </a:prstGeom>
           <a:noFill/>
+          <a:ln w="9525">
+            <a:noFill/>
+            <a:miter lim="800000"/>
+            <a:headEnd/>
+            <a:tailEnd/>
+          </a:ln>
         </p:spPr>
       </p:pic>
       <p:pic>
         <p:nvPicPr>
-          <p:cNvPr id="24583" name="Picture 7" descr="g_w_i_1"/>
+          <p:cNvPr id="24581" name="Picture 7" descr="g_w_i_1"/>
           <p:cNvPicPr>
             <a:picLocks noChangeAspect="1" noChangeArrowheads="1"/>
           </p:cNvPicPr>
@@ -3885,6 +3897,12 @@
             <a:avLst/>
           </a:prstGeom>
           <a:noFill/>
+          <a:ln w="9525">
+            <a:noFill/>
+            <a:miter lim="800000"/>
+            <a:headEnd/>
+            <a:tailEnd/>
+          </a:ln>
         </p:spPr>
       </p:pic>
       <p:graphicFrame>
@@ -3939,6 +3957,7 @@
                           </a:solidFill>
                           <a:effectLst/>
                           <a:latin typeface="Calibri" pitchFamily="34" charset="0"/>
+                          <a:cs typeface="Arial" charset="0"/>
                         </a:rPr>
                         <a:t>Локальная задача существования со свободными входами и выходами</a:t>
                       </a:r>
@@ -4032,6 +4051,7 @@
                         </a:solidFill>
                         <a:effectLst/>
                         <a:latin typeface="Calibri" pitchFamily="34" charset="0"/>
+                        <a:cs typeface="Arial" charset="0"/>
                       </a:endParaRPr>
                     </a:p>
                   </a:txBody>
@@ -4111,6 +4131,7 @@
                         </a:solidFill>
                         <a:effectLst/>
                         <a:latin typeface="Calibri" pitchFamily="34" charset="0"/>
+                        <a:cs typeface="Arial" charset="0"/>
                       </a:endParaRPr>
                     </a:p>
                   </a:txBody>
@@ -4184,7 +4205,7 @@
                         <a:tabLst/>
                       </a:pPr>
                       <a:r>
-                        <a:rPr kumimoji="0" lang="ru-RU" sz="2400" b="0" i="0" u="none" strike="noStrike" cap="none" normalizeH="0" baseline="0" smtClean="0">
+                        <a:rPr kumimoji="0" lang="ru-RU" sz="2300" b="0" i="0" u="none" strike="noStrike" cap="none" normalizeH="0" baseline="0" smtClean="0">
                           <a:ln>
                             <a:noFill/>
                           </a:ln>
@@ -4193,6 +4214,7 @@
                           </a:solidFill>
                           <a:effectLst/>
                           <a:latin typeface="Calibri" pitchFamily="34" charset="0"/>
+                          <a:cs typeface="Arial" charset="0"/>
                         </a:rPr>
                         <a:t>Локальная задача существования с фиксированными входами и выходами</a:t>
                       </a:r>
@@ -4286,6 +4308,7 @@
                         </a:solidFill>
                         <a:effectLst/>
                         <a:latin typeface="Calibri" pitchFamily="34" charset="0"/>
+                        <a:cs typeface="Arial" charset="0"/>
                       </a:endParaRPr>
                     </a:p>
                   </a:txBody>
@@ -4365,6 +4388,7 @@
                         </a:solidFill>
                         <a:effectLst/>
                         <a:latin typeface="Calibri" pitchFamily="34" charset="0"/>
+                        <a:cs typeface="Arial" charset="0"/>
                       </a:endParaRPr>
                     </a:p>
                   </a:txBody>
@@ -4447,6 +4471,7 @@
                           </a:solidFill>
                           <a:effectLst/>
                           <a:latin typeface="Calibri" pitchFamily="34" charset="0"/>
+                          <a:cs typeface="Arial" charset="0"/>
                         </a:rPr>
                         <a:t>Исходная задача существования</a:t>
                       </a:r>
@@ -4540,6 +4565,7 @@
                         </a:solidFill>
                         <a:effectLst/>
                         <a:latin typeface="Calibri" pitchFamily="34" charset="0"/>
+                        <a:cs typeface="Arial" charset="0"/>
                       </a:endParaRPr>
                     </a:p>
                   </a:txBody>
@@ -4619,6 +4645,7 @@
                         </a:solidFill>
                         <a:effectLst/>
                         <a:latin typeface="Calibri" pitchFamily="34" charset="0"/>
+                        <a:cs typeface="Arial" charset="0"/>
                       </a:endParaRPr>
                     </a:p>
                   </a:txBody>
@@ -4701,6 +4728,7 @@
                           </a:solidFill>
                           <a:effectLst/>
                           <a:latin typeface="Calibri" pitchFamily="34" charset="0"/>
+                          <a:cs typeface="Arial" charset="0"/>
                         </a:rPr>
                         <a:t>Классический подход</a:t>
                       </a:r>
@@ -4794,6 +4822,7 @@
                         </a:solidFill>
                         <a:effectLst/>
                         <a:latin typeface="Calibri" pitchFamily="34" charset="0"/>
+                        <a:cs typeface="Arial" charset="0"/>
                       </a:endParaRPr>
                     </a:p>
                   </a:txBody>
@@ -4873,6 +4902,7 @@
                         </a:solidFill>
                         <a:effectLst/>
                         <a:latin typeface="Calibri" pitchFamily="34" charset="0"/>
+                        <a:cs typeface="Arial" charset="0"/>
                       </a:endParaRPr>
                     </a:p>
                   </a:txBody>
@@ -4929,7 +4959,7 @@
       </p:graphicFrame>
       <p:pic>
         <p:nvPicPr>
-          <p:cNvPr id="24704" name="Picture 128" descr="fix_var"/>
+          <p:cNvPr id="24610" name="Picture 128" descr="fix_var"/>
           <p:cNvPicPr>
             <a:picLocks noChangeAspect="1" noChangeArrowheads="1"/>
           </p:cNvPicPr>
@@ -4951,11 +4981,17 @@
             <a:avLst/>
           </a:prstGeom>
           <a:noFill/>
+          <a:ln w="9525">
+            <a:noFill/>
+            <a:miter lim="800000"/>
+            <a:headEnd/>
+            <a:tailEnd/>
+          </a:ln>
         </p:spPr>
       </p:pic>
       <p:pic>
         <p:nvPicPr>
-          <p:cNvPr id="24705" name="Picture 129" descr="fix_constr"/>
+          <p:cNvPr id="24611" name="Picture 129" descr="fix_constr"/>
           <p:cNvPicPr>
             <a:picLocks noChangeAspect="1" noChangeArrowheads="1"/>
           </p:cNvPicPr>
@@ -4977,11 +5013,17 @@
             <a:avLst/>
           </a:prstGeom>
           <a:noFill/>
+          <a:ln w="9525">
+            <a:noFill/>
+            <a:miter lim="800000"/>
+            <a:headEnd/>
+            <a:tailEnd/>
+          </a:ln>
         </p:spPr>
       </p:pic>
       <p:pic>
         <p:nvPicPr>
-          <p:cNvPr id="24706" name="Picture 130" descr="free_var"/>
+          <p:cNvPr id="24612" name="Picture 130" descr="free_var"/>
           <p:cNvPicPr>
             <a:picLocks noChangeAspect="1" noChangeArrowheads="1"/>
           </p:cNvPicPr>
@@ -5003,11 +5045,17 @@
             <a:avLst/>
           </a:prstGeom>
           <a:noFill/>
+          <a:ln w="9525">
+            <a:noFill/>
+            <a:miter lim="800000"/>
+            <a:headEnd/>
+            <a:tailEnd/>
+          </a:ln>
         </p:spPr>
       </p:pic>
       <p:pic>
         <p:nvPicPr>
-          <p:cNvPr id="24707" name="Picture 131" descr="free_constr"/>
+          <p:cNvPr id="24613" name="Picture 131" descr="free_constr"/>
           <p:cNvPicPr>
             <a:picLocks noChangeAspect="1" noChangeArrowheads="1"/>
           </p:cNvPicPr>
@@ -5029,11 +5077,17 @@
             <a:avLst/>
           </a:prstGeom>
           <a:noFill/>
+          <a:ln w="9525">
+            <a:noFill/>
+            <a:miter lim="800000"/>
+            <a:headEnd/>
+            <a:tailEnd/>
+          </a:ln>
         </p:spPr>
       </p:pic>
       <p:pic>
         <p:nvPicPr>
-          <p:cNvPr id="24708" name="Picture 132" descr="source_var"/>
+          <p:cNvPr id="24614" name="Picture 132" descr="source_var"/>
           <p:cNvPicPr>
             <a:picLocks noChangeAspect="1" noChangeArrowheads="1"/>
           </p:cNvPicPr>
@@ -5055,11 +5109,17 @@
             <a:avLst/>
           </a:prstGeom>
           <a:noFill/>
+          <a:ln w="9525">
+            <a:noFill/>
+            <a:miter lim="800000"/>
+            <a:headEnd/>
+            <a:tailEnd/>
+          </a:ln>
         </p:spPr>
       </p:pic>
       <p:pic>
         <p:nvPicPr>
-          <p:cNvPr id="24709" name="Picture 133" descr="source_constr"/>
+          <p:cNvPr id="24615" name="Picture 133" descr="source_constr"/>
           <p:cNvPicPr>
             <a:picLocks noChangeAspect="1" noChangeArrowheads="1"/>
           </p:cNvPicPr>
@@ -5081,11 +5141,17 @@
             <a:avLst/>
           </a:prstGeom>
           <a:noFill/>
+          <a:ln w="9525">
+            <a:noFill/>
+            <a:miter lim="800000"/>
+            <a:headEnd/>
+            <a:tailEnd/>
+          </a:ln>
         </p:spPr>
       </p:pic>
       <p:pic>
         <p:nvPicPr>
-          <p:cNvPr id="24710" name="Picture 134" descr="n_2"/>
+          <p:cNvPr id="24616" name="Picture 134" descr="n_2"/>
           <p:cNvPicPr>
             <a:picLocks noChangeAspect="1" noChangeArrowheads="1"/>
           </p:cNvPicPr>
@@ -5107,11 +5173,17 @@
             <a:avLst/>
           </a:prstGeom>
           <a:noFill/>
+          <a:ln w="9525">
+            <a:noFill/>
+            <a:miter lim="800000"/>
+            <a:headEnd/>
+            <a:tailEnd/>
+          </a:ln>
         </p:spPr>
       </p:pic>
       <p:pic>
         <p:nvPicPr>
-          <p:cNvPr id="24711" name="Picture 135" descr="n_2"/>
+          <p:cNvPr id="24617" name="Picture 135" descr="n_2"/>
           <p:cNvPicPr>
             <a:picLocks noChangeAspect="1" noChangeArrowheads="1"/>
           </p:cNvPicPr>
@@ -5133,6 +5205,12 @@
             <a:avLst/>
           </a:prstGeom>
           <a:noFill/>
+          <a:ln w="9525">
+            <a:noFill/>
+            <a:miter lim="800000"/>
+            <a:headEnd/>
+            <a:tailEnd/>
+          </a:ln>
         </p:spPr>
       </p:pic>
     </p:spTree>
@@ -5140,6 +5218,13 @@
   <p:clrMapOvr>
     <a:masterClrMapping/>
   </p:clrMapOvr>
+  <p:timing>
+    <p:tnLst>
+      <p:par>
+        <p:cTn id="1" dur="indefinite" restart="never" nodeType="tmRoot"/>
+      </p:par>
+    </p:tnLst>
+  </p:timing>
 </p:sld>
 </file>
 
@@ -5201,7 +5286,7 @@
             <a:pPr eaLnBrk="1" hangingPunct="1"/>
             <a:r>
               <a:rPr lang="en-US" smtClean="0"/>
-              <a:t>Java + IMB ILOG CPLEX (</a:t>
+              <a:t>Java + IBM ILOG CPLEX (</a:t>
             </a:r>
             <a:r>
               <a:rPr lang="ru-RU" smtClean="0"/>
@@ -5217,7 +5302,7 @@
       </p:sp>
       <p:pic>
         <p:nvPicPr>
-          <p:cNvPr id="25606" name="Picture 6" descr="calc"/>
+          <p:cNvPr id="25603" name="Picture 6" descr="calc"/>
           <p:cNvPicPr>
             <a:picLocks noChangeAspect="1" noChangeArrowheads="1"/>
           </p:cNvPicPr>
@@ -5239,6 +5324,12 @@
             <a:avLst/>
           </a:prstGeom>
           <a:noFill/>
+          <a:ln w="9525">
+            <a:noFill/>
+            <a:miter lim="800000"/>
+            <a:headEnd/>
+            <a:tailEnd/>
+          </a:ln>
         </p:spPr>
       </p:pic>
     </p:spTree>
@@ -5246,6 +5337,13 @@
   <p:clrMapOvr>
     <a:masterClrMapping/>
   </p:clrMapOvr>
+  <p:timing>
+    <p:tnLst>
+      <p:par>
+        <p:cTn id="1" dur="indefinite" restart="never" nodeType="tmRoot"/>
+      </p:par>
+    </p:tnLst>
+  </p:timing>
 </p:sld>
 </file>
 
@@ -5268,7 +5366,7 @@
       </p:grpSpPr>
       <p:sp>
         <p:nvSpPr>
-          <p:cNvPr id="27650" name="Rectangle 2"/>
+          <p:cNvPr id="26625" name="Rectangle 2"/>
           <p:cNvSpPr>
             <a:spLocks noGrp="1"/>
           </p:cNvSpPr>
@@ -5290,7 +5388,7 @@
       </p:sp>
       <p:sp>
         <p:nvSpPr>
-          <p:cNvPr id="27651" name="Rectangle 3"/>
+          <p:cNvPr id="26626" name="Rectangle 3"/>
           <p:cNvSpPr>
             <a:spLocks noGrp="1"/>
           </p:cNvSpPr>
@@ -5358,7 +5456,7 @@
       </p:grpSpPr>
       <p:sp>
         <p:nvSpPr>
-          <p:cNvPr id="26625" name="Заголовок 1"/>
+          <p:cNvPr id="27649" name="Заголовок 1"/>
           <p:cNvSpPr>
             <a:spLocks noGrp="1"/>
           </p:cNvSpPr>
@@ -6379,7 +6477,7 @@
       </p:pic>
       <p:pic>
         <p:nvPicPr>
-          <p:cNvPr id="19463" name="Picture 7" descr="j"/>
+          <p:cNvPr id="19462" name="Picture 7" descr="j"/>
           <p:cNvPicPr>
             <a:picLocks noChangeAspect="1" noChangeArrowheads="1"/>
           </p:cNvPicPr>
@@ -6401,11 +6499,17 @@
             <a:avLst/>
           </a:prstGeom>
           <a:noFill/>
+          <a:ln w="9525">
+            <a:noFill/>
+            <a:miter lim="800000"/>
+            <a:headEnd/>
+            <a:tailEnd/>
+          </a:ln>
         </p:spPr>
       </p:pic>
       <p:pic>
         <p:nvPicPr>
-          <p:cNvPr id="19464" name="Picture 8" descr="i"/>
+          <p:cNvPr id="19463" name="Picture 8" descr="i"/>
           <p:cNvPicPr>
             <a:picLocks noChangeAspect="1" noChangeArrowheads="1"/>
           </p:cNvPicPr>
@@ -6427,6 +6531,12 @@
             <a:avLst/>
           </a:prstGeom>
           <a:noFill/>
+          <a:ln w="9525">
+            <a:noFill/>
+            <a:miter lim="800000"/>
+            <a:headEnd/>
+            <a:tailEnd/>
+          </a:ln>
         </p:spPr>
       </p:pic>
     </p:spTree>
